--- a/students/u3201052/wk3/wk3exercise_flowchart.pptx
+++ b/students/u3201052/wk3/wk3exercise_flowchart.pptx
@@ -5,7 +5,7 @@
     <p:sldMasterId id="2147483648" r:id="rId1"/>
   </p:sldMasterIdLst>
   <p:sldIdLst>
-    <p:sldId id="257" r:id="rId2"/>
+    <p:sldId id="258" r:id="rId2"/>
   </p:sldIdLst>
   <p:sldSz cx="12192000" cy="6858000"/>
   <p:notesSz cx="6858000" cy="9144000"/>
@@ -104,6 +104,11 @@
       </a:defRPr>
     </a:lvl9pPr>
   </p:defaultTextStyle>
+  <p:extLst>
+    <p:ext uri="{EFAFB233-063F-42B5-8137-9DF3F51BA10A}">
+      <p15:sldGuideLst xmlns:p15="http://schemas.microsoft.com/office/powerpoint/2012/main"/>
+    </p:ext>
+  </p:extLst>
 </p:presentation>
 </file>
 
@@ -256,7 +261,7 @@
           <a:p>
             <a:fld id="{B0E8B34E-6603-4888-8622-269D13050B01}" type="datetimeFigureOut">
               <a:rPr lang="en-AU" smtClean="0"/>
-              <a:t>24/08/2020</a:t>
+              <a:t>26/08/2020</a:t>
             </a:fld>
             <a:endParaRPr lang="en-AU"/>
           </a:p>
@@ -456,7 +461,7 @@
           <a:p>
             <a:fld id="{B0E8B34E-6603-4888-8622-269D13050B01}" type="datetimeFigureOut">
               <a:rPr lang="en-AU" smtClean="0"/>
-              <a:t>24/08/2020</a:t>
+              <a:t>26/08/2020</a:t>
             </a:fld>
             <a:endParaRPr lang="en-AU"/>
           </a:p>
@@ -666,7 +671,7 @@
           <a:p>
             <a:fld id="{B0E8B34E-6603-4888-8622-269D13050B01}" type="datetimeFigureOut">
               <a:rPr lang="en-AU" smtClean="0"/>
-              <a:t>24/08/2020</a:t>
+              <a:t>26/08/2020</a:t>
             </a:fld>
             <a:endParaRPr lang="en-AU"/>
           </a:p>
@@ -866,7 +871,7 @@
           <a:p>
             <a:fld id="{B0E8B34E-6603-4888-8622-269D13050B01}" type="datetimeFigureOut">
               <a:rPr lang="en-AU" smtClean="0"/>
-              <a:t>24/08/2020</a:t>
+              <a:t>26/08/2020</a:t>
             </a:fld>
             <a:endParaRPr lang="en-AU"/>
           </a:p>
@@ -1142,7 +1147,7 @@
           <a:p>
             <a:fld id="{B0E8B34E-6603-4888-8622-269D13050B01}" type="datetimeFigureOut">
               <a:rPr lang="en-AU" smtClean="0"/>
-              <a:t>24/08/2020</a:t>
+              <a:t>26/08/2020</a:t>
             </a:fld>
             <a:endParaRPr lang="en-AU"/>
           </a:p>
@@ -1410,7 +1415,7 @@
           <a:p>
             <a:fld id="{B0E8B34E-6603-4888-8622-269D13050B01}" type="datetimeFigureOut">
               <a:rPr lang="en-AU" smtClean="0"/>
-              <a:t>24/08/2020</a:t>
+              <a:t>26/08/2020</a:t>
             </a:fld>
             <a:endParaRPr lang="en-AU"/>
           </a:p>
@@ -1825,7 +1830,7 @@
           <a:p>
             <a:fld id="{B0E8B34E-6603-4888-8622-269D13050B01}" type="datetimeFigureOut">
               <a:rPr lang="en-AU" smtClean="0"/>
-              <a:t>24/08/2020</a:t>
+              <a:t>26/08/2020</a:t>
             </a:fld>
             <a:endParaRPr lang="en-AU"/>
           </a:p>
@@ -1967,7 +1972,7 @@
           <a:p>
             <a:fld id="{B0E8B34E-6603-4888-8622-269D13050B01}" type="datetimeFigureOut">
               <a:rPr lang="en-AU" smtClean="0"/>
-              <a:t>24/08/2020</a:t>
+              <a:t>26/08/2020</a:t>
             </a:fld>
             <a:endParaRPr lang="en-AU"/>
           </a:p>
@@ -2080,7 +2085,7 @@
           <a:p>
             <a:fld id="{B0E8B34E-6603-4888-8622-269D13050B01}" type="datetimeFigureOut">
               <a:rPr lang="en-AU" smtClean="0"/>
-              <a:t>24/08/2020</a:t>
+              <a:t>26/08/2020</a:t>
             </a:fld>
             <a:endParaRPr lang="en-AU"/>
           </a:p>
@@ -2393,7 +2398,7 @@
           <a:p>
             <a:fld id="{B0E8B34E-6603-4888-8622-269D13050B01}" type="datetimeFigureOut">
               <a:rPr lang="en-AU" smtClean="0"/>
-              <a:t>24/08/2020</a:t>
+              <a:t>26/08/2020</a:t>
             </a:fld>
             <a:endParaRPr lang="en-AU"/>
           </a:p>
@@ -2682,7 +2687,7 @@
           <a:p>
             <a:fld id="{B0E8B34E-6603-4888-8622-269D13050B01}" type="datetimeFigureOut">
               <a:rPr lang="en-AU" smtClean="0"/>
-              <a:t>24/08/2020</a:t>
+              <a:t>26/08/2020</a:t>
             </a:fld>
             <a:endParaRPr lang="en-AU"/>
           </a:p>
@@ -2925,7 +2930,7 @@
           <a:p>
             <a:fld id="{B0E8B34E-6603-4888-8622-269D13050B01}" type="datetimeFigureOut">
               <a:rPr lang="en-AU" smtClean="0"/>
-              <a:t>24/08/2020</a:t>
+              <a:t>26/08/2020</a:t>
             </a:fld>
             <a:endParaRPr lang="en-AU"/>
           </a:p>
@@ -3344,10 +3349,10 @@
       </p:grpSpPr>
       <p:sp>
         <p:nvSpPr>
-          <p:cNvPr id="2" name="Rectangle: Rounded Corners 1">
-            <a:extLst>
-              <a:ext uri="{FF2B5EF4-FFF2-40B4-BE49-F238E27FC236}">
-                <a16:creationId xmlns:a16="http://schemas.microsoft.com/office/drawing/2014/main" id="{37DE7E09-42FF-4F78-8B01-2BFF1F85B071}"/>
+          <p:cNvPr id="2" name="Flowchart: Data 1">
+            <a:extLst>
+              <a:ext uri="{FF2B5EF4-FFF2-40B4-BE49-F238E27FC236}">
+                <a16:creationId xmlns:a16="http://schemas.microsoft.com/office/drawing/2014/main" id="{920500DE-419C-45D1-9C2D-3A4E249BEC65}"/>
               </a:ext>
             </a:extLst>
           </p:cNvPr>
@@ -3356,10 +3361,324 @@
         </p:nvSpPr>
         <p:spPr>
           <a:xfrm>
-            <a:off x="3284777" y="472175"/>
-            <a:ext cx="1364343" cy="406400"/>
-          </a:xfrm>
-          <a:prstGeom prst="roundRect">
+            <a:off x="6351030" y="1252311"/>
+            <a:ext cx="1450868" cy="309716"/>
+          </a:xfrm>
+          <a:prstGeom prst="flowChartInputOutput">
+            <a:avLst/>
+          </a:prstGeom>
+        </p:spPr>
+        <p:style>
+          <a:lnRef idx="2">
+            <a:schemeClr val="accent2"/>
+          </a:lnRef>
+          <a:fillRef idx="1">
+            <a:schemeClr val="lt1"/>
+          </a:fillRef>
+          <a:effectRef idx="0">
+            <a:schemeClr val="accent2"/>
+          </a:effectRef>
+          <a:fontRef idx="minor">
+            <a:schemeClr val="dk1"/>
+          </a:fontRef>
+        </p:style>
+        <p:txBody>
+          <a:bodyPr rtlCol="0" anchor="ctr"/>
+          <a:lstStyle/>
+          <a:p>
+            <a:pPr algn="ctr"/>
+            <a:r>
+              <a:rPr lang="en-AU" sz="1200" dirty="0"/>
+              <a:t>Str: Message</a:t>
+            </a:r>
+          </a:p>
+        </p:txBody>
+      </p:sp>
+      <p:sp>
+        <p:nvSpPr>
+          <p:cNvPr id="3" name="Flowchart: Data 2">
+            <a:extLst>
+              <a:ext uri="{FF2B5EF4-FFF2-40B4-BE49-F238E27FC236}">
+                <a16:creationId xmlns:a16="http://schemas.microsoft.com/office/drawing/2014/main" id="{CD2CB19B-36F4-492E-9C79-FF200EE48745}"/>
+              </a:ext>
+            </a:extLst>
+          </p:cNvPr>
+          <p:cNvSpPr/>
+          <p:nvPr/>
+        </p:nvSpPr>
+        <p:spPr>
+          <a:xfrm>
+            <a:off x="6351030" y="3176826"/>
+            <a:ext cx="1413999" cy="280219"/>
+          </a:xfrm>
+          <a:prstGeom prst="flowChartInputOutput">
+            <a:avLst/>
+          </a:prstGeom>
+        </p:spPr>
+        <p:style>
+          <a:lnRef idx="2">
+            <a:schemeClr val="accent2"/>
+          </a:lnRef>
+          <a:fillRef idx="1">
+            <a:schemeClr val="lt1"/>
+          </a:fillRef>
+          <a:effectRef idx="0">
+            <a:schemeClr val="accent2"/>
+          </a:effectRef>
+          <a:fontRef idx="minor">
+            <a:schemeClr val="dk1"/>
+          </a:fontRef>
+        </p:style>
+        <p:txBody>
+          <a:bodyPr rtlCol="0" anchor="ctr"/>
+          <a:lstStyle/>
+          <a:p>
+            <a:pPr algn="ctr"/>
+            <a:r>
+              <a:rPr lang="en-AU" sz="1200" dirty="0"/>
+              <a:t>DT: Afternoon</a:t>
+            </a:r>
+          </a:p>
+        </p:txBody>
+      </p:sp>
+      <p:sp>
+        <p:nvSpPr>
+          <p:cNvPr id="4" name="Flowchart: Data 3">
+            <a:extLst>
+              <a:ext uri="{FF2B5EF4-FFF2-40B4-BE49-F238E27FC236}">
+                <a16:creationId xmlns:a16="http://schemas.microsoft.com/office/drawing/2014/main" id="{2F75BAB2-DB7D-419F-90FA-A42DC48863A1}"/>
+              </a:ext>
+            </a:extLst>
+          </p:cNvPr>
+          <p:cNvSpPr/>
+          <p:nvPr/>
+        </p:nvSpPr>
+        <p:spPr>
+          <a:xfrm>
+            <a:off x="6351031" y="2462250"/>
+            <a:ext cx="1413999" cy="280219"/>
+          </a:xfrm>
+          <a:prstGeom prst="flowChartInputOutput">
+            <a:avLst/>
+          </a:prstGeom>
+        </p:spPr>
+        <p:style>
+          <a:lnRef idx="2">
+            <a:schemeClr val="accent2"/>
+          </a:lnRef>
+          <a:fillRef idx="1">
+            <a:schemeClr val="lt1"/>
+          </a:fillRef>
+          <a:effectRef idx="0">
+            <a:schemeClr val="accent2"/>
+          </a:effectRef>
+          <a:fontRef idx="minor">
+            <a:schemeClr val="dk1"/>
+          </a:fontRef>
+        </p:style>
+        <p:txBody>
+          <a:bodyPr rtlCol="0" anchor="ctr"/>
+          <a:lstStyle/>
+          <a:p>
+            <a:pPr algn="ctr"/>
+            <a:r>
+              <a:rPr lang="en-AU" sz="1200" dirty="0"/>
+              <a:t>DT: Morning</a:t>
+            </a:r>
+          </a:p>
+        </p:txBody>
+      </p:sp>
+      <p:sp>
+        <p:nvSpPr>
+          <p:cNvPr id="5" name="Flowchart: Data 4">
+            <a:extLst>
+              <a:ext uri="{FF2B5EF4-FFF2-40B4-BE49-F238E27FC236}">
+                <a16:creationId xmlns:a16="http://schemas.microsoft.com/office/drawing/2014/main" id="{AEB62B24-B83E-440C-9383-D66CE84431B8}"/>
+              </a:ext>
+            </a:extLst>
+          </p:cNvPr>
+          <p:cNvSpPr/>
+          <p:nvPr/>
+        </p:nvSpPr>
+        <p:spPr>
+          <a:xfrm>
+            <a:off x="6166672" y="4021729"/>
+            <a:ext cx="1635226" cy="536136"/>
+          </a:xfrm>
+          <a:prstGeom prst="flowChartInputOutput">
+            <a:avLst/>
+          </a:prstGeom>
+        </p:spPr>
+        <p:style>
+          <a:lnRef idx="2">
+            <a:schemeClr val="accent2"/>
+          </a:lnRef>
+          <a:fillRef idx="1">
+            <a:schemeClr val="lt1"/>
+          </a:fillRef>
+          <a:effectRef idx="0">
+            <a:schemeClr val="accent2"/>
+          </a:effectRef>
+          <a:fontRef idx="minor">
+            <a:schemeClr val="dk1"/>
+          </a:fontRef>
+        </p:style>
+        <p:txBody>
+          <a:bodyPr rtlCol="0" anchor="ctr"/>
+          <a:lstStyle/>
+          <a:p>
+            <a:pPr algn="ctr"/>
+            <a:r>
+              <a:rPr lang="en-AU" sz="1100" dirty="0"/>
+              <a:t>Num.: </a:t>
+            </a:r>
+            <a:r>
+              <a:rPr lang="en-AU" sz="1100" dirty="0" err="1"/>
+              <a:t>BusSchedule</a:t>
+            </a:r>
+            <a:endParaRPr lang="en-AU" sz="1100" dirty="0"/>
+          </a:p>
+        </p:txBody>
+      </p:sp>
+      <p:sp>
+        <p:nvSpPr>
+          <p:cNvPr id="6" name="Flowchart: Data 5">
+            <a:extLst>
+              <a:ext uri="{FF2B5EF4-FFF2-40B4-BE49-F238E27FC236}">
+                <a16:creationId xmlns:a16="http://schemas.microsoft.com/office/drawing/2014/main" id="{B11772C8-DB5C-424D-880F-EAF78B4F2812}"/>
+              </a:ext>
+            </a:extLst>
+          </p:cNvPr>
+          <p:cNvSpPr/>
+          <p:nvPr/>
+        </p:nvSpPr>
+        <p:spPr>
+          <a:xfrm>
+            <a:off x="309718" y="6312314"/>
+            <a:ext cx="2389238" cy="309716"/>
+          </a:xfrm>
+          <a:prstGeom prst="flowChartInputOutput">
+            <a:avLst/>
+          </a:prstGeom>
+        </p:spPr>
+        <p:style>
+          <a:lnRef idx="2">
+            <a:schemeClr val="accent2"/>
+          </a:lnRef>
+          <a:fillRef idx="1">
+            <a:schemeClr val="lt1"/>
+          </a:fillRef>
+          <a:effectRef idx="0">
+            <a:schemeClr val="accent2"/>
+          </a:effectRef>
+          <a:fontRef idx="minor">
+            <a:schemeClr val="dk1"/>
+          </a:fontRef>
+        </p:style>
+        <p:txBody>
+          <a:bodyPr rtlCol="0" anchor="ctr"/>
+          <a:lstStyle/>
+          <a:p>
+            <a:pPr algn="ctr"/>
+            <a:r>
+              <a:rPr lang="en-AU" sz="1400" dirty="0"/>
+              <a:t>XX: Name</a:t>
+            </a:r>
+          </a:p>
+        </p:txBody>
+      </p:sp>
+      <p:cxnSp>
+        <p:nvCxnSpPr>
+          <p:cNvPr id="8" name="Connector: Elbow 7">
+            <a:extLst>
+              <a:ext uri="{FF2B5EF4-FFF2-40B4-BE49-F238E27FC236}">
+                <a16:creationId xmlns:a16="http://schemas.microsoft.com/office/drawing/2014/main" id="{CABCE312-49D6-4540-9798-B9488E388BC0}"/>
+              </a:ext>
+            </a:extLst>
+          </p:cNvPr>
+          <p:cNvCxnSpPr/>
+          <p:nvPr/>
+        </p:nvCxnSpPr>
+        <p:spPr>
+          <a:xfrm>
+            <a:off x="3097161" y="6312314"/>
+            <a:ext cx="1268362" cy="309716"/>
+          </a:xfrm>
+          <a:prstGeom prst="bentConnector3">
+            <a:avLst/>
+          </a:prstGeom>
+          <a:ln>
+            <a:tailEnd type="triangle"/>
+          </a:ln>
+        </p:spPr>
+        <p:style>
+          <a:lnRef idx="1">
+            <a:schemeClr val="accent1"/>
+          </a:lnRef>
+          <a:fillRef idx="0">
+            <a:schemeClr val="accent1"/>
+          </a:fillRef>
+          <a:effectRef idx="0">
+            <a:schemeClr val="accent1"/>
+          </a:effectRef>
+          <a:fontRef idx="minor">
+            <a:schemeClr val="tx1"/>
+          </a:fontRef>
+        </p:style>
+      </p:cxnSp>
+      <p:sp>
+        <p:nvSpPr>
+          <p:cNvPr id="9" name="TextBox 8">
+            <a:extLst>
+              <a:ext uri="{FF2B5EF4-FFF2-40B4-BE49-F238E27FC236}">
+                <a16:creationId xmlns:a16="http://schemas.microsoft.com/office/drawing/2014/main" id="{46CB717B-E5D9-45C9-AC86-2C0D433A62F2}"/>
+              </a:ext>
+            </a:extLst>
+          </p:cNvPr>
+          <p:cNvSpPr txBox="1"/>
+          <p:nvPr/>
+        </p:nvSpPr>
+        <p:spPr>
+          <a:xfrm>
+            <a:off x="3097161" y="6034034"/>
+            <a:ext cx="1126527" cy="307777"/>
+          </a:xfrm>
+          <a:prstGeom prst="rect">
+            <a:avLst/>
+          </a:prstGeom>
+          <a:noFill/>
+        </p:spPr>
+        <p:txBody>
+          <a:bodyPr wrap="none" rtlCol="0">
+            <a:spAutoFit/>
+          </a:bodyPr>
+          <a:lstStyle/>
+          <a:p>
+            <a:r>
+              <a:rPr lang="en-AU" sz="1400" dirty="0"/>
+              <a:t>Flow or Loop</a:t>
+            </a:r>
+          </a:p>
+        </p:txBody>
+      </p:sp>
+      <p:sp>
+        <p:nvSpPr>
+          <p:cNvPr id="10" name="Flowchart: Decision 9">
+            <a:extLst>
+              <a:ext uri="{FF2B5EF4-FFF2-40B4-BE49-F238E27FC236}">
+                <a16:creationId xmlns:a16="http://schemas.microsoft.com/office/drawing/2014/main" id="{0B0079D0-E015-423F-919B-D658483B826B}"/>
+              </a:ext>
+            </a:extLst>
+          </p:cNvPr>
+          <p:cNvSpPr/>
+          <p:nvPr/>
+        </p:nvSpPr>
+        <p:spPr>
+          <a:xfrm>
+            <a:off x="4866968" y="6194323"/>
+            <a:ext cx="1592826" cy="427707"/>
+          </a:xfrm>
+          <a:prstGeom prst="flowChartDecision">
             <a:avLst/>
           </a:prstGeom>
         </p:spPr>
@@ -3385,18 +3704,18 @@
           <a:p>
             <a:pPr algn="ctr"/>
             <a:r>
-              <a:rPr lang="en-AU" dirty="0"/>
-              <a:t>START</a:t>
-            </a:r>
-          </a:p>
-        </p:txBody>
-      </p:sp>
-      <p:sp>
-        <p:nvSpPr>
-          <p:cNvPr id="3" name="Diamond 2">
-            <a:extLst>
-              <a:ext uri="{FF2B5EF4-FFF2-40B4-BE49-F238E27FC236}">
-                <a16:creationId xmlns:a16="http://schemas.microsoft.com/office/drawing/2014/main" id="{247EBEE9-D9AC-4DA5-A91D-82F60FBFDC07}"/>
+              <a:rPr lang="en-AU" sz="1400" dirty="0"/>
+              <a:t>Decision</a:t>
+            </a:r>
+          </a:p>
+        </p:txBody>
+      </p:sp>
+      <p:sp>
+        <p:nvSpPr>
+          <p:cNvPr id="11" name="Rectangle 10">
+            <a:extLst>
+              <a:ext uri="{FF2B5EF4-FFF2-40B4-BE49-F238E27FC236}">
+                <a16:creationId xmlns:a16="http://schemas.microsoft.com/office/drawing/2014/main" id="{88609A3D-F976-4E29-8536-0B698F4170BD}"/>
               </a:ext>
             </a:extLst>
           </p:cNvPr>
@@ -3405,10 +3724,10 @@
         </p:nvSpPr>
         <p:spPr>
           <a:xfrm>
-            <a:off x="2656763" y="1277147"/>
-            <a:ext cx="2620370" cy="900751"/>
-          </a:xfrm>
-          <a:prstGeom prst="diamond">
+            <a:off x="6695768" y="6341811"/>
+            <a:ext cx="1327355" cy="280219"/>
+          </a:xfrm>
+          <a:prstGeom prst="rect">
             <a:avLst/>
           </a:prstGeom>
         </p:spPr>
@@ -3434,363 +3753,18 @@
           <a:p>
             <a:pPr algn="ctr"/>
             <a:r>
-              <a:rPr lang="en-US" sz="1100" dirty="0"/>
-              <a:t>Go to school</a:t>
-            </a:r>
-            <a:endParaRPr lang="en-AU" sz="1100" dirty="0"/>
-          </a:p>
-        </p:txBody>
-      </p:sp>
-      <p:cxnSp>
-        <p:nvCxnSpPr>
-          <p:cNvPr id="4" name="Straight Arrow Connector 3">
-            <a:extLst>
-              <a:ext uri="{FF2B5EF4-FFF2-40B4-BE49-F238E27FC236}">
-                <a16:creationId xmlns:a16="http://schemas.microsoft.com/office/drawing/2014/main" id="{08722CB5-D8A5-48BA-8310-9A8ECFDBE596}"/>
-              </a:ext>
-            </a:extLst>
-          </p:cNvPr>
-          <p:cNvCxnSpPr>
-            <a:stCxn id="2" idx="2"/>
-            <a:endCxn id="3" idx="0"/>
-          </p:cNvCxnSpPr>
-          <p:nvPr/>
-        </p:nvCxnSpPr>
-        <p:spPr>
-          <a:xfrm flipH="1">
-            <a:off x="3966948" y="878575"/>
-            <a:ext cx="1" cy="398572"/>
-          </a:xfrm>
-          <a:prstGeom prst="straightConnector1">
-            <a:avLst/>
-          </a:prstGeom>
-          <a:ln>
-            <a:tailEnd type="triangle"/>
-          </a:ln>
-        </p:spPr>
-        <p:style>
-          <a:lnRef idx="1">
-            <a:schemeClr val="accent1"/>
-          </a:lnRef>
-          <a:fillRef idx="0">
-            <a:schemeClr val="accent1"/>
-          </a:fillRef>
-          <a:effectRef idx="0">
-            <a:schemeClr val="accent1"/>
-          </a:effectRef>
-          <a:fontRef idx="minor">
-            <a:schemeClr val="tx1"/>
-          </a:fontRef>
-        </p:style>
-      </p:cxnSp>
-      <p:sp>
-        <p:nvSpPr>
-          <p:cNvPr id="5" name="Text Placeholder 2">
-            <a:extLst>
-              <a:ext uri="{FF2B5EF4-FFF2-40B4-BE49-F238E27FC236}">
-                <a16:creationId xmlns:a16="http://schemas.microsoft.com/office/drawing/2014/main" id="{AC5EC883-3F8E-475A-86B0-42D33540EBA6}"/>
-              </a:ext>
-            </a:extLst>
-          </p:cNvPr>
-          <p:cNvSpPr txBox="1">
-            <a:spLocks/>
-          </p:cNvSpPr>
-          <p:nvPr/>
-        </p:nvSpPr>
-        <p:spPr>
-          <a:xfrm>
-            <a:off x="7772392" y="2145320"/>
-            <a:ext cx="3897498" cy="1456359"/>
-          </a:xfrm>
-          <a:prstGeom prst="rect">
-            <a:avLst/>
-          </a:prstGeom>
-        </p:spPr>
-        <p:txBody>
-          <a:bodyPr>
-            <a:normAutofit fontScale="70000" lnSpcReduction="20000"/>
-          </a:bodyPr>
-          <a:lstStyle>
-            <a:lvl1pPr marL="228600" indent="-228600" algn="l" defTabSz="914400" rtl="0" eaLnBrk="1" latinLnBrk="0" hangingPunct="1">
-              <a:lnSpc>
-                <a:spcPct val="90000"/>
-              </a:lnSpc>
-              <a:spcBef>
-                <a:spcPts val="1000"/>
-              </a:spcBef>
-              <a:buFont typeface="Arial" panose="020B0604020202020204" pitchFamily="34" charset="0"/>
-              <a:buChar char="•"/>
-              <a:defRPr sz="2800" kern="1200">
-                <a:solidFill>
-                  <a:schemeClr val="tx1"/>
-                </a:solidFill>
-                <a:latin typeface="+mn-lt"/>
-                <a:ea typeface="+mn-ea"/>
-                <a:cs typeface="+mn-cs"/>
-              </a:defRPr>
-            </a:lvl1pPr>
-            <a:lvl2pPr marL="685800" indent="-228600" algn="l" defTabSz="914400" rtl="0" eaLnBrk="1" latinLnBrk="0" hangingPunct="1">
-              <a:lnSpc>
-                <a:spcPct val="90000"/>
-              </a:lnSpc>
-              <a:spcBef>
-                <a:spcPts val="500"/>
-              </a:spcBef>
-              <a:buFont typeface="Arial" panose="020B0604020202020204" pitchFamily="34" charset="0"/>
-              <a:buChar char="•"/>
-              <a:defRPr sz="2400" kern="1200">
-                <a:solidFill>
-                  <a:schemeClr val="tx1"/>
-                </a:solidFill>
-                <a:latin typeface="+mn-lt"/>
-                <a:ea typeface="+mn-ea"/>
-                <a:cs typeface="+mn-cs"/>
-              </a:defRPr>
-            </a:lvl2pPr>
-            <a:lvl3pPr marL="1143000" indent="-228600" algn="l" defTabSz="914400" rtl="0" eaLnBrk="1" latinLnBrk="0" hangingPunct="1">
-              <a:lnSpc>
-                <a:spcPct val="90000"/>
-              </a:lnSpc>
-              <a:spcBef>
-                <a:spcPts val="500"/>
-              </a:spcBef>
-              <a:buFont typeface="Arial" panose="020B0604020202020204" pitchFamily="34" charset="0"/>
-              <a:buChar char="•"/>
-              <a:defRPr sz="2000" kern="1200">
-                <a:solidFill>
-                  <a:schemeClr val="tx1"/>
-                </a:solidFill>
-                <a:latin typeface="+mn-lt"/>
-                <a:ea typeface="+mn-ea"/>
-                <a:cs typeface="+mn-cs"/>
-              </a:defRPr>
-            </a:lvl3pPr>
-            <a:lvl4pPr marL="1600200" indent="-228600" algn="l" defTabSz="914400" rtl="0" eaLnBrk="1" latinLnBrk="0" hangingPunct="1">
-              <a:lnSpc>
-                <a:spcPct val="90000"/>
-              </a:lnSpc>
-              <a:spcBef>
-                <a:spcPts val="500"/>
-              </a:spcBef>
-              <a:buFont typeface="Arial" panose="020B0604020202020204" pitchFamily="34" charset="0"/>
-              <a:buChar char="•"/>
-              <a:defRPr sz="1800" kern="1200">
-                <a:solidFill>
-                  <a:schemeClr val="tx1"/>
-                </a:solidFill>
-                <a:latin typeface="+mn-lt"/>
-                <a:ea typeface="+mn-ea"/>
-                <a:cs typeface="+mn-cs"/>
-              </a:defRPr>
-            </a:lvl4pPr>
-            <a:lvl5pPr marL="2057400" indent="-228600" algn="l" defTabSz="914400" rtl="0" eaLnBrk="1" latinLnBrk="0" hangingPunct="1">
-              <a:lnSpc>
-                <a:spcPct val="90000"/>
-              </a:lnSpc>
-              <a:spcBef>
-                <a:spcPts val="500"/>
-              </a:spcBef>
-              <a:buFont typeface="Arial" panose="020B0604020202020204" pitchFamily="34" charset="0"/>
-              <a:buChar char="•"/>
-              <a:defRPr sz="1800" kern="1200">
-                <a:solidFill>
-                  <a:schemeClr val="tx1"/>
-                </a:solidFill>
-                <a:latin typeface="+mn-lt"/>
-                <a:ea typeface="+mn-ea"/>
-                <a:cs typeface="+mn-cs"/>
-              </a:defRPr>
-            </a:lvl5pPr>
-            <a:lvl6pPr marL="2514600" indent="-228600" algn="l" defTabSz="914400" rtl="0" eaLnBrk="1" latinLnBrk="0" hangingPunct="1">
-              <a:lnSpc>
-                <a:spcPct val="90000"/>
-              </a:lnSpc>
-              <a:spcBef>
-                <a:spcPts val="500"/>
-              </a:spcBef>
-              <a:buFont typeface="Arial" panose="020B0604020202020204" pitchFamily="34" charset="0"/>
-              <a:buChar char="•"/>
-              <a:defRPr sz="1800" kern="1200">
-                <a:solidFill>
-                  <a:schemeClr val="tx1"/>
-                </a:solidFill>
-                <a:latin typeface="+mn-lt"/>
-                <a:ea typeface="+mn-ea"/>
-                <a:cs typeface="+mn-cs"/>
-              </a:defRPr>
-            </a:lvl6pPr>
-            <a:lvl7pPr marL="2971800" indent="-228600" algn="l" defTabSz="914400" rtl="0" eaLnBrk="1" latinLnBrk="0" hangingPunct="1">
-              <a:lnSpc>
-                <a:spcPct val="90000"/>
-              </a:lnSpc>
-              <a:spcBef>
-                <a:spcPts val="500"/>
-              </a:spcBef>
-              <a:buFont typeface="Arial" panose="020B0604020202020204" pitchFamily="34" charset="0"/>
-              <a:buChar char="•"/>
-              <a:defRPr sz="1800" kern="1200">
-                <a:solidFill>
-                  <a:schemeClr val="tx1"/>
-                </a:solidFill>
-                <a:latin typeface="+mn-lt"/>
-                <a:ea typeface="+mn-ea"/>
-                <a:cs typeface="+mn-cs"/>
-              </a:defRPr>
-            </a:lvl7pPr>
-            <a:lvl8pPr marL="3429000" indent="-228600" algn="l" defTabSz="914400" rtl="0" eaLnBrk="1" latinLnBrk="0" hangingPunct="1">
-              <a:lnSpc>
-                <a:spcPct val="90000"/>
-              </a:lnSpc>
-              <a:spcBef>
-                <a:spcPts val="500"/>
-              </a:spcBef>
-              <a:buFont typeface="Arial" panose="020B0604020202020204" pitchFamily="34" charset="0"/>
-              <a:buChar char="•"/>
-              <a:defRPr sz="1800" kern="1200">
-                <a:solidFill>
-                  <a:schemeClr val="tx1"/>
-                </a:solidFill>
-                <a:latin typeface="+mn-lt"/>
-                <a:ea typeface="+mn-ea"/>
-                <a:cs typeface="+mn-cs"/>
-              </a:defRPr>
-            </a:lvl8pPr>
-            <a:lvl9pPr marL="3886200" indent="-228600" algn="l" defTabSz="914400" rtl="0" eaLnBrk="1" latinLnBrk="0" hangingPunct="1">
-              <a:lnSpc>
-                <a:spcPct val="90000"/>
-              </a:lnSpc>
-              <a:spcBef>
-                <a:spcPts val="500"/>
-              </a:spcBef>
-              <a:buFont typeface="Arial" panose="020B0604020202020204" pitchFamily="34" charset="0"/>
-              <a:buChar char="•"/>
-              <a:defRPr sz="1800" kern="1200">
-                <a:solidFill>
-                  <a:schemeClr val="tx1"/>
-                </a:solidFill>
-                <a:latin typeface="+mn-lt"/>
-                <a:ea typeface="+mn-ea"/>
-                <a:cs typeface="+mn-cs"/>
-              </a:defRPr>
-            </a:lvl9pPr>
-          </a:lstStyle>
-          <a:p>
-            <a:pPr marL="0" indent="0">
-              <a:buFont typeface="Arial" panose="020B0604020202020204" pitchFamily="34" charset="0"/>
-              <a:buNone/>
-            </a:pPr>
-            <a:r>
-              <a:rPr lang="en-AU" dirty="0">
-                <a:solidFill>
-                  <a:srgbClr val="7030A0"/>
-                </a:solidFill>
-              </a:rPr>
-              <a:t>IF</a:t>
-            </a:r>
-            <a:r>
-              <a:rPr lang="en-AU" dirty="0"/>
-              <a:t> </a:t>
-            </a:r>
-            <a:r>
-              <a:rPr lang="en-AU" dirty="0" err="1"/>
-              <a:t>can_drive_car</a:t>
-            </a:r>
-            <a:r>
-              <a:rPr lang="en-AU" dirty="0"/>
-              <a:t> go to school </a:t>
-            </a:r>
-            <a:r>
-              <a:rPr lang="en-AU" dirty="0">
-                <a:solidFill>
-                  <a:srgbClr val="7030A0"/>
-                </a:solidFill>
-              </a:rPr>
-              <a:t>THEN</a:t>
-            </a:r>
-            <a:r>
-              <a:rPr lang="en-AU" dirty="0"/>
-              <a:t> </a:t>
-            </a:r>
-          </a:p>
-          <a:p>
-            <a:pPr marL="0" indent="0">
-              <a:buFont typeface="Arial" panose="020B0604020202020204" pitchFamily="34" charset="0"/>
-              <a:buNone/>
-            </a:pPr>
-            <a:r>
-              <a:rPr lang="en-AU" dirty="0"/>
-              <a:t>	</a:t>
-            </a:r>
-            <a:r>
-              <a:rPr lang="en-AU" dirty="0" err="1"/>
-              <a:t>arrive_school</a:t>
-            </a:r>
-            <a:r>
-              <a:rPr lang="en-AU" dirty="0"/>
-              <a:t> = “car” </a:t>
-            </a:r>
-          </a:p>
-          <a:p>
-            <a:pPr marL="0" indent="0">
-              <a:buFont typeface="Arial" panose="020B0604020202020204" pitchFamily="34" charset="0"/>
-              <a:buNone/>
-            </a:pPr>
-            <a:r>
-              <a:rPr lang="en-AU" dirty="0">
-                <a:solidFill>
-                  <a:srgbClr val="7030A0"/>
-                </a:solidFill>
-              </a:rPr>
-              <a:t>ELSE</a:t>
-            </a:r>
-            <a:r>
-              <a:rPr lang="en-AU" dirty="0"/>
-              <a:t> </a:t>
-            </a:r>
-          </a:p>
-          <a:p>
-            <a:pPr marL="0" indent="0">
-              <a:buFont typeface="Arial" panose="020B0604020202020204" pitchFamily="34" charset="0"/>
-              <a:buNone/>
-            </a:pPr>
-            <a:r>
-              <a:rPr lang="en-AU" dirty="0"/>
-              <a:t>	</a:t>
-            </a:r>
-            <a:r>
-              <a:rPr lang="en-AU" dirty="0" err="1"/>
-              <a:t>arrive_school</a:t>
-            </a:r>
-            <a:r>
-              <a:rPr lang="en-AU" dirty="0"/>
-              <a:t> = “bus”</a:t>
-            </a:r>
-          </a:p>
-          <a:p>
-            <a:pPr marL="266700" lvl="1" indent="0">
-              <a:buFont typeface="Arial" panose="020B0604020202020204" pitchFamily="34" charset="0"/>
-              <a:buNone/>
-            </a:pPr>
-            <a:endParaRPr lang="en-AU" dirty="0"/>
-          </a:p>
-          <a:p>
-            <a:endParaRPr lang="en-AU" dirty="0"/>
-          </a:p>
-          <a:p>
-            <a:pPr marL="0" indent="0">
-              <a:buFont typeface="Arial" panose="020B0604020202020204" pitchFamily="34" charset="0"/>
-              <a:buNone/>
-            </a:pPr>
-            <a:endParaRPr lang="en-US" dirty="0"/>
-          </a:p>
-        </p:txBody>
-      </p:sp>
-      <p:sp>
-        <p:nvSpPr>
-          <p:cNvPr id="6" name="Parallelogram 5">
-            <a:extLst>
-              <a:ext uri="{FF2B5EF4-FFF2-40B4-BE49-F238E27FC236}">
-                <a16:creationId xmlns:a16="http://schemas.microsoft.com/office/drawing/2014/main" id="{701C67A2-4B28-48E3-84F0-68519D7F4929}"/>
+              <a:rPr lang="en-AU" sz="1400" dirty="0"/>
+              <a:t>Process</a:t>
+            </a:r>
+          </a:p>
+        </p:txBody>
+      </p:sp>
+      <p:sp>
+        <p:nvSpPr>
+          <p:cNvPr id="12" name="Oval 11">
+            <a:extLst>
+              <a:ext uri="{FF2B5EF4-FFF2-40B4-BE49-F238E27FC236}">
+                <a16:creationId xmlns:a16="http://schemas.microsoft.com/office/drawing/2014/main" id="{D7A551FB-851F-4A10-AE0A-45D54E6813AB}"/>
               </a:ext>
             </a:extLst>
           </p:cNvPr>
@@ -3799,10 +3773,10 @@
         </p:nvSpPr>
         <p:spPr>
           <a:xfrm>
-            <a:off x="429920" y="1528237"/>
-            <a:ext cx="1787841" cy="398572"/>
-          </a:xfrm>
-          <a:prstGeom prst="parallelogram">
+            <a:off x="8406581" y="6194323"/>
+            <a:ext cx="1224116" cy="427707"/>
+          </a:xfrm>
+          <a:prstGeom prst="ellipse">
             <a:avLst/>
           </a:prstGeom>
         </p:spPr>
@@ -3828,61 +3802,18 @@
           <a:p>
             <a:pPr algn="ctr"/>
             <a:r>
-              <a:rPr lang="en-AU" sz="1200" dirty="0" err="1"/>
-              <a:t>can_drive_car</a:t>
-            </a:r>
-            <a:endParaRPr lang="en-AU" sz="1200" dirty="0"/>
-          </a:p>
-        </p:txBody>
-      </p:sp>
-      <p:cxnSp>
-        <p:nvCxnSpPr>
-          <p:cNvPr id="7" name="Straight Arrow Connector 6">
-            <a:extLst>
-              <a:ext uri="{FF2B5EF4-FFF2-40B4-BE49-F238E27FC236}">
-                <a16:creationId xmlns:a16="http://schemas.microsoft.com/office/drawing/2014/main" id="{535CF0A3-72B6-46A6-98AD-3A622FD16128}"/>
-              </a:ext>
-            </a:extLst>
-          </p:cNvPr>
-          <p:cNvCxnSpPr>
-            <a:stCxn id="6" idx="2"/>
-            <a:endCxn id="3" idx="1"/>
-          </p:cNvCxnSpPr>
-          <p:nvPr/>
-        </p:nvCxnSpPr>
-        <p:spPr>
-          <a:xfrm>
-            <a:off x="2167940" y="1727523"/>
-            <a:ext cx="488823" cy="0"/>
-          </a:xfrm>
-          <a:prstGeom prst="straightConnector1">
-            <a:avLst/>
-          </a:prstGeom>
-          <a:ln>
-            <a:tailEnd type="triangle"/>
-          </a:ln>
-        </p:spPr>
-        <p:style>
-          <a:lnRef idx="1">
-            <a:schemeClr val="accent1"/>
-          </a:lnRef>
-          <a:fillRef idx="0">
-            <a:schemeClr val="accent1"/>
-          </a:fillRef>
-          <a:effectRef idx="0">
-            <a:schemeClr val="accent1"/>
-          </a:effectRef>
-          <a:fontRef idx="minor">
-            <a:schemeClr val="tx1"/>
-          </a:fontRef>
-        </p:style>
-      </p:cxnSp>
-      <p:sp>
-        <p:nvSpPr>
-          <p:cNvPr id="8" name="Rectangle 7">
-            <a:extLst>
-              <a:ext uri="{FF2B5EF4-FFF2-40B4-BE49-F238E27FC236}">
-                <a16:creationId xmlns:a16="http://schemas.microsoft.com/office/drawing/2014/main" id="{17DBFC20-E368-433A-990A-10ABF90AC699}"/>
+              <a:rPr lang="en-AU" sz="1400" dirty="0"/>
+              <a:t>Terminus</a:t>
+            </a:r>
+          </a:p>
+        </p:txBody>
+      </p:sp>
+      <p:sp>
+        <p:nvSpPr>
+          <p:cNvPr id="13" name="Oval 12">
+            <a:extLst>
+              <a:ext uri="{FF2B5EF4-FFF2-40B4-BE49-F238E27FC236}">
+                <a16:creationId xmlns:a16="http://schemas.microsoft.com/office/drawing/2014/main" id="{744A1120-0DE8-4F2B-9698-D07AF43DE5B7}"/>
               </a:ext>
             </a:extLst>
           </p:cNvPr>
@@ -3891,10 +3822,10 @@
         </p:nvSpPr>
         <p:spPr>
           <a:xfrm>
-            <a:off x="5716135" y="1520409"/>
-            <a:ext cx="1787857" cy="406400"/>
-          </a:xfrm>
-          <a:prstGeom prst="rect">
+            <a:off x="4018935" y="362939"/>
+            <a:ext cx="1224116" cy="427707"/>
+          </a:xfrm>
+          <a:prstGeom prst="ellipse">
             <a:avLst/>
           </a:prstGeom>
         </p:spPr>
@@ -3920,96 +3851,18 @@
           <a:p>
             <a:pPr algn="ctr"/>
             <a:r>
-              <a:rPr lang="en-US" sz="1100" dirty="0"/>
-              <a:t>Take “bus”</a:t>
-            </a:r>
-            <a:endParaRPr lang="en-AU" sz="1100" dirty="0"/>
-          </a:p>
-        </p:txBody>
-      </p:sp>
-      <p:cxnSp>
-        <p:nvCxnSpPr>
-          <p:cNvPr id="9" name="Straight Arrow Connector 8">
-            <a:extLst>
-              <a:ext uri="{FF2B5EF4-FFF2-40B4-BE49-F238E27FC236}">
-                <a16:creationId xmlns:a16="http://schemas.microsoft.com/office/drawing/2014/main" id="{2E618207-63A2-4C2B-BE5A-15534ADAB984}"/>
-              </a:ext>
-            </a:extLst>
-          </p:cNvPr>
-          <p:cNvCxnSpPr>
-            <a:stCxn id="3" idx="3"/>
-            <a:endCxn id="8" idx="1"/>
-          </p:cNvCxnSpPr>
-          <p:nvPr/>
-        </p:nvCxnSpPr>
-        <p:spPr>
-          <a:xfrm flipV="1">
-            <a:off x="5277133" y="1723609"/>
-            <a:ext cx="439002" cy="3914"/>
-          </a:xfrm>
-          <a:prstGeom prst="straightConnector1">
-            <a:avLst/>
-          </a:prstGeom>
-          <a:ln>
-            <a:tailEnd type="triangle"/>
-          </a:ln>
-        </p:spPr>
-        <p:style>
-          <a:lnRef idx="1">
-            <a:schemeClr val="accent1"/>
-          </a:lnRef>
-          <a:fillRef idx="0">
-            <a:schemeClr val="accent1"/>
-          </a:fillRef>
-          <a:effectRef idx="0">
-            <a:schemeClr val="accent1"/>
-          </a:effectRef>
-          <a:fontRef idx="minor">
-            <a:schemeClr val="tx1"/>
-          </a:fontRef>
-        </p:style>
-      </p:cxnSp>
-      <p:sp>
-        <p:nvSpPr>
-          <p:cNvPr id="10" name="TextBox 9">
-            <a:extLst>
-              <a:ext uri="{FF2B5EF4-FFF2-40B4-BE49-F238E27FC236}">
-                <a16:creationId xmlns:a16="http://schemas.microsoft.com/office/drawing/2014/main" id="{7A0E614E-30CD-494B-8FB0-A9717359EEA2}"/>
-              </a:ext>
-            </a:extLst>
-          </p:cNvPr>
-          <p:cNvSpPr txBox="1"/>
-          <p:nvPr/>
-        </p:nvSpPr>
-        <p:spPr>
-          <a:xfrm>
-            <a:off x="5268847" y="1354277"/>
-            <a:ext cx="394660" cy="307777"/>
-          </a:xfrm>
-          <a:prstGeom prst="rect">
-            <a:avLst/>
-          </a:prstGeom>
-          <a:noFill/>
-        </p:spPr>
-        <p:txBody>
-          <a:bodyPr wrap="none" rtlCol="0">
-            <a:spAutoFit/>
-          </a:bodyPr>
-          <a:lstStyle/>
-          <a:p>
-            <a:r>
               <a:rPr lang="en-AU" sz="1400" dirty="0"/>
-              <a:t>No</a:t>
-            </a:r>
-          </a:p>
-        </p:txBody>
-      </p:sp>
-      <p:sp>
-        <p:nvSpPr>
-          <p:cNvPr id="11" name="Rectangle 10">
-            <a:extLst>
-              <a:ext uri="{FF2B5EF4-FFF2-40B4-BE49-F238E27FC236}">
-                <a16:creationId xmlns:a16="http://schemas.microsoft.com/office/drawing/2014/main" id="{51F74D20-99C4-4A82-A505-827C9591E2F7}"/>
+              <a:t>START</a:t>
+            </a:r>
+          </a:p>
+        </p:txBody>
+      </p:sp>
+      <p:sp>
+        <p:nvSpPr>
+          <p:cNvPr id="14" name="Oval 13">
+            <a:extLst>
+              <a:ext uri="{FF2B5EF4-FFF2-40B4-BE49-F238E27FC236}">
+                <a16:creationId xmlns:a16="http://schemas.microsoft.com/office/drawing/2014/main" id="{B7009C2E-DB18-4277-9C08-95EBC2C8C7A0}"/>
               </a:ext>
             </a:extLst>
           </p:cNvPr>
@@ -4018,10 +3871,10 @@
         </p:nvSpPr>
         <p:spPr>
           <a:xfrm>
-            <a:off x="3073019" y="2873499"/>
-            <a:ext cx="1787857" cy="406400"/>
-          </a:xfrm>
-          <a:prstGeom prst="rect">
+            <a:off x="426820" y="3148299"/>
+            <a:ext cx="1224116" cy="427707"/>
+          </a:xfrm>
+          <a:prstGeom prst="ellipse">
             <a:avLst/>
           </a:prstGeom>
         </p:spPr>
@@ -4047,61 +3900,18 @@
           <a:p>
             <a:pPr algn="ctr"/>
             <a:r>
-              <a:rPr lang="en-US" sz="1100" dirty="0"/>
-              <a:t>Take “car”</a:t>
-            </a:r>
-            <a:endParaRPr lang="en-AU" sz="1100" dirty="0"/>
-          </a:p>
-        </p:txBody>
-      </p:sp>
-      <p:cxnSp>
-        <p:nvCxnSpPr>
-          <p:cNvPr id="12" name="Straight Arrow Connector 11">
-            <a:extLst>
-              <a:ext uri="{FF2B5EF4-FFF2-40B4-BE49-F238E27FC236}">
-                <a16:creationId xmlns:a16="http://schemas.microsoft.com/office/drawing/2014/main" id="{C0755796-8CA0-4DD9-8F6D-0F43EEE2D896}"/>
-              </a:ext>
-            </a:extLst>
-          </p:cNvPr>
-          <p:cNvCxnSpPr>
-            <a:stCxn id="3" idx="2"/>
-            <a:endCxn id="11" idx="0"/>
-          </p:cNvCxnSpPr>
-          <p:nvPr/>
-        </p:nvCxnSpPr>
-        <p:spPr>
-          <a:xfrm>
-            <a:off x="3966948" y="2177898"/>
-            <a:ext cx="0" cy="695601"/>
-          </a:xfrm>
-          <a:prstGeom prst="straightConnector1">
-            <a:avLst/>
-          </a:prstGeom>
-          <a:ln>
-            <a:tailEnd type="triangle"/>
-          </a:ln>
-        </p:spPr>
-        <p:style>
-          <a:lnRef idx="1">
-            <a:schemeClr val="accent1"/>
-          </a:lnRef>
-          <a:fillRef idx="0">
-            <a:schemeClr val="accent1"/>
-          </a:fillRef>
-          <a:effectRef idx="0">
-            <a:schemeClr val="accent1"/>
-          </a:effectRef>
-          <a:fontRef idx="minor">
-            <a:schemeClr val="tx1"/>
-          </a:fontRef>
-        </p:style>
-      </p:cxnSp>
-      <p:sp>
-        <p:nvSpPr>
-          <p:cNvPr id="13" name="Parallelogram 12">
-            <a:extLst>
-              <a:ext uri="{FF2B5EF4-FFF2-40B4-BE49-F238E27FC236}">
-                <a16:creationId xmlns:a16="http://schemas.microsoft.com/office/drawing/2014/main" id="{355CEC5F-B93B-4282-B73A-7F4222B195B9}"/>
+              <a:rPr lang="en-AU" sz="1400" dirty="0"/>
+              <a:t>END</a:t>
+            </a:r>
+          </a:p>
+        </p:txBody>
+      </p:sp>
+      <p:sp>
+        <p:nvSpPr>
+          <p:cNvPr id="15" name="Rectangle 14">
+            <a:extLst>
+              <a:ext uri="{FF2B5EF4-FFF2-40B4-BE49-F238E27FC236}">
+                <a16:creationId xmlns:a16="http://schemas.microsoft.com/office/drawing/2014/main" id="{21457731-F6D0-4D0F-98D9-EA5F30ED6379}"/>
               </a:ext>
             </a:extLst>
           </p:cNvPr>
@@ -4110,10 +3920,10 @@
         </p:nvSpPr>
         <p:spPr>
           <a:xfrm>
-            <a:off x="5716151" y="2881327"/>
-            <a:ext cx="1787841" cy="398572"/>
-          </a:xfrm>
-          <a:prstGeom prst="parallelogram">
+            <a:off x="3967315" y="1115113"/>
+            <a:ext cx="1327355" cy="567814"/>
+          </a:xfrm>
+          <a:prstGeom prst="rect">
             <a:avLst/>
           </a:prstGeom>
         </p:spPr>
@@ -4139,67 +3949,123 @@
           <a:p>
             <a:pPr algn="ctr"/>
             <a:r>
-              <a:rPr lang="en-AU" sz="1200" dirty="0" err="1"/>
-              <a:t>arrive_school</a:t>
-            </a:r>
-            <a:endParaRPr lang="en-AU" sz="1200" dirty="0"/>
-          </a:p>
-        </p:txBody>
-      </p:sp>
-      <p:sp>
-        <p:nvSpPr>
-          <p:cNvPr id="14" name="TextBox 13">
-            <a:extLst>
-              <a:ext uri="{FF2B5EF4-FFF2-40B4-BE49-F238E27FC236}">
-                <a16:creationId xmlns:a16="http://schemas.microsoft.com/office/drawing/2014/main" id="{59850D01-F01F-4083-A79F-B8E9A26806E9}"/>
-              </a:ext>
-            </a:extLst>
-          </p:cNvPr>
-          <p:cNvSpPr txBox="1"/>
+              <a:rPr lang="en-AU" sz="1400" dirty="0"/>
+              <a:t>Go to school by bus</a:t>
+            </a:r>
+          </a:p>
+        </p:txBody>
+      </p:sp>
+      <p:sp>
+        <p:nvSpPr>
+          <p:cNvPr id="16" name="Flowchart: Decision 15">
+            <a:extLst>
+              <a:ext uri="{FF2B5EF4-FFF2-40B4-BE49-F238E27FC236}">
+                <a16:creationId xmlns:a16="http://schemas.microsoft.com/office/drawing/2014/main" id="{93B81033-55FE-4ED2-980A-A09CE332AB11}"/>
+              </a:ext>
+            </a:extLst>
+          </p:cNvPr>
+          <p:cNvSpPr/>
           <p:nvPr/>
         </p:nvSpPr>
         <p:spPr>
           <a:xfrm>
-            <a:off x="3438088" y="2371810"/>
-            <a:ext cx="420243" cy="307777"/>
-          </a:xfrm>
-          <a:prstGeom prst="rect">
+            <a:off x="3436374" y="2345680"/>
+            <a:ext cx="2389236" cy="870154"/>
+          </a:xfrm>
+          <a:prstGeom prst="flowChartDecision">
             <a:avLst/>
           </a:prstGeom>
-          <a:noFill/>
-        </p:spPr>
-        <p:txBody>
-          <a:bodyPr wrap="none" rtlCol="0">
-            <a:spAutoFit/>
-          </a:bodyPr>
-          <a:lstStyle/>
-          <a:p>
+        </p:spPr>
+        <p:style>
+          <a:lnRef idx="2">
+            <a:schemeClr val="accent1">
+              <a:shade val="50000"/>
+            </a:schemeClr>
+          </a:lnRef>
+          <a:fillRef idx="1">
+            <a:schemeClr val="accent1"/>
+          </a:fillRef>
+          <a:effectRef idx="0">
+            <a:schemeClr val="accent1"/>
+          </a:effectRef>
+          <a:fontRef idx="minor">
+            <a:schemeClr val="lt1"/>
+          </a:fontRef>
+        </p:style>
+        <p:txBody>
+          <a:bodyPr rtlCol="0" anchor="ctr"/>
+          <a:lstStyle/>
+          <a:p>
+            <a:pPr algn="ctr"/>
             <a:r>
               <a:rPr lang="en-AU" sz="1400" dirty="0"/>
-              <a:t>Yes</a:t>
+              <a:t>Check if &gt;  Morning and &lt; Afternoon</a:t>
             </a:r>
           </a:p>
         </p:txBody>
       </p:sp>
       <p:cxnSp>
         <p:nvCxnSpPr>
-          <p:cNvPr id="15" name="Straight Arrow Connector 14">
-            <a:extLst>
-              <a:ext uri="{FF2B5EF4-FFF2-40B4-BE49-F238E27FC236}">
-                <a16:creationId xmlns:a16="http://schemas.microsoft.com/office/drawing/2014/main" id="{E401ED3E-0D9B-47E9-9AB5-CB10D878F56F}"/>
+          <p:cNvPr id="18" name="Straight Arrow Connector 17">
+            <a:extLst>
+              <a:ext uri="{FF2B5EF4-FFF2-40B4-BE49-F238E27FC236}">
+                <a16:creationId xmlns:a16="http://schemas.microsoft.com/office/drawing/2014/main" id="{0603558A-E9DA-4E1C-B07D-EBC9D06B08E8}"/>
               </a:ext>
             </a:extLst>
           </p:cNvPr>
           <p:cNvCxnSpPr>
-            <a:stCxn id="11" idx="3"/>
-            <a:endCxn id="13" idx="5"/>
+            <a:cxnSpLocks/>
+            <a:stCxn id="15" idx="3"/>
+            <a:endCxn id="2" idx="2"/>
           </p:cNvCxnSpPr>
           <p:nvPr/>
         </p:nvCxnSpPr>
         <p:spPr>
           <a:xfrm>
-            <a:off x="4860876" y="3076699"/>
-            <a:ext cx="905097" cy="3914"/>
+            <a:off x="5294670" y="1399020"/>
+            <a:ext cx="1201447" cy="8149"/>
+          </a:xfrm>
+          <a:prstGeom prst="straightConnector1">
+            <a:avLst/>
+          </a:prstGeom>
+          <a:ln>
+            <a:tailEnd type="triangle"/>
+          </a:ln>
+        </p:spPr>
+        <p:style>
+          <a:lnRef idx="1">
+            <a:schemeClr val="accent2"/>
+          </a:lnRef>
+          <a:fillRef idx="0">
+            <a:schemeClr val="accent2"/>
+          </a:fillRef>
+          <a:effectRef idx="0">
+            <a:schemeClr val="accent2"/>
+          </a:effectRef>
+          <a:fontRef idx="minor">
+            <a:schemeClr val="tx1"/>
+          </a:fontRef>
+        </p:style>
+      </p:cxnSp>
+      <p:cxnSp>
+        <p:nvCxnSpPr>
+          <p:cNvPr id="20" name="Straight Arrow Connector 19">
+            <a:extLst>
+              <a:ext uri="{FF2B5EF4-FFF2-40B4-BE49-F238E27FC236}">
+                <a16:creationId xmlns:a16="http://schemas.microsoft.com/office/drawing/2014/main" id="{F6917606-DB62-4270-8053-2CCBDEECF2B4}"/>
+              </a:ext>
+            </a:extLst>
+          </p:cNvPr>
+          <p:cNvCxnSpPr>
+            <a:stCxn id="13" idx="4"/>
+            <a:endCxn id="15" idx="0"/>
+          </p:cNvCxnSpPr>
+          <p:nvPr/>
+        </p:nvCxnSpPr>
+        <p:spPr>
+          <a:xfrm>
+            <a:off x="4630993" y="790646"/>
+            <a:ext cx="0" cy="324467"/>
           </a:xfrm>
           <a:prstGeom prst="straightConnector1">
             <a:avLst/>
@@ -4225,23 +4091,24 @@
       </p:cxnSp>
       <p:cxnSp>
         <p:nvCxnSpPr>
-          <p:cNvPr id="16" name="Straight Arrow Connector 15">
-            <a:extLst>
-              <a:ext uri="{FF2B5EF4-FFF2-40B4-BE49-F238E27FC236}">
-                <a16:creationId xmlns:a16="http://schemas.microsoft.com/office/drawing/2014/main" id="{BA5B5EC7-8545-4833-B21E-3B1814D663BB}"/>
+          <p:cNvPr id="22" name="Straight Arrow Connector 21">
+            <a:extLst>
+              <a:ext uri="{FF2B5EF4-FFF2-40B4-BE49-F238E27FC236}">
+                <a16:creationId xmlns:a16="http://schemas.microsoft.com/office/drawing/2014/main" id="{5C8D5D48-E119-47A7-8CEA-2DEF4E1B7636}"/>
               </a:ext>
             </a:extLst>
           </p:cNvPr>
           <p:cNvCxnSpPr>
-            <a:stCxn id="8" idx="2"/>
-            <a:endCxn id="13" idx="0"/>
+            <a:cxnSpLocks/>
+            <a:stCxn id="15" idx="2"/>
+            <a:endCxn id="16" idx="0"/>
           </p:cNvCxnSpPr>
           <p:nvPr/>
         </p:nvCxnSpPr>
         <p:spPr>
-          <a:xfrm>
-            <a:off x="6610064" y="1926809"/>
-            <a:ext cx="8" cy="954518"/>
+          <a:xfrm flipH="1">
+            <a:off x="4630992" y="1682927"/>
+            <a:ext cx="1" cy="662753"/>
           </a:xfrm>
           <a:prstGeom prst="straightConnector1">
             <a:avLst/>
@@ -4265,12 +4132,178 @@
           </a:fontRef>
         </p:style>
       </p:cxnSp>
-      <p:sp>
-        <p:nvSpPr>
-          <p:cNvPr id="17" name="Rectangle: Rounded Corners 16">
-            <a:extLst>
-              <a:ext uri="{FF2B5EF4-FFF2-40B4-BE49-F238E27FC236}">
-                <a16:creationId xmlns:a16="http://schemas.microsoft.com/office/drawing/2014/main" id="{D5593405-D027-44B5-B9BF-DAE63F8ACAD3}"/>
+      <p:cxnSp>
+        <p:nvCxnSpPr>
+          <p:cNvPr id="25" name="Connector: Elbow 24">
+            <a:extLst>
+              <a:ext uri="{FF2B5EF4-FFF2-40B4-BE49-F238E27FC236}">
+                <a16:creationId xmlns:a16="http://schemas.microsoft.com/office/drawing/2014/main" id="{2E9AC541-9322-47DB-9EF1-5C1D25454542}"/>
+              </a:ext>
+            </a:extLst>
+          </p:cNvPr>
+          <p:cNvCxnSpPr>
+            <a:cxnSpLocks/>
+            <a:stCxn id="16" idx="1"/>
+            <a:endCxn id="34" idx="2"/>
+          </p:cNvCxnSpPr>
+          <p:nvPr/>
+        </p:nvCxnSpPr>
+        <p:spPr>
+          <a:xfrm rot="10800000">
+            <a:off x="2181878" y="2301235"/>
+            <a:ext cx="1254496" cy="479523"/>
+          </a:xfrm>
+          <a:prstGeom prst="bentConnector2">
+            <a:avLst/>
+          </a:prstGeom>
+          <a:ln>
+            <a:tailEnd type="triangle"/>
+          </a:ln>
+        </p:spPr>
+        <p:style>
+          <a:lnRef idx="1">
+            <a:schemeClr val="accent1"/>
+          </a:lnRef>
+          <a:fillRef idx="0">
+            <a:schemeClr val="accent1"/>
+          </a:fillRef>
+          <a:effectRef idx="0">
+            <a:schemeClr val="accent1"/>
+          </a:effectRef>
+          <a:fontRef idx="minor">
+            <a:schemeClr val="tx1"/>
+          </a:fontRef>
+        </p:style>
+      </p:cxnSp>
+      <p:sp>
+        <p:nvSpPr>
+          <p:cNvPr id="26" name="TextBox 25">
+            <a:extLst>
+              <a:ext uri="{FF2B5EF4-FFF2-40B4-BE49-F238E27FC236}">
+                <a16:creationId xmlns:a16="http://schemas.microsoft.com/office/drawing/2014/main" id="{11339BF4-A2B4-4C68-A080-66B5E1F070B6}"/>
+              </a:ext>
+            </a:extLst>
+          </p:cNvPr>
+          <p:cNvSpPr txBox="1"/>
+          <p:nvPr/>
+        </p:nvSpPr>
+        <p:spPr>
+          <a:xfrm>
+            <a:off x="1953280" y="2994411"/>
+            <a:ext cx="394660" cy="307777"/>
+          </a:xfrm>
+          <a:prstGeom prst="rect">
+            <a:avLst/>
+          </a:prstGeom>
+          <a:noFill/>
+        </p:spPr>
+        <p:txBody>
+          <a:bodyPr wrap="none" rtlCol="0">
+            <a:spAutoFit/>
+          </a:bodyPr>
+          <a:lstStyle/>
+          <a:p>
+            <a:r>
+              <a:rPr lang="en-AU" sz="1400" dirty="0"/>
+              <a:t>No</a:t>
+            </a:r>
+          </a:p>
+        </p:txBody>
+      </p:sp>
+      <p:cxnSp>
+        <p:nvCxnSpPr>
+          <p:cNvPr id="28" name="Connector: Elbow 27">
+            <a:extLst>
+              <a:ext uri="{FF2B5EF4-FFF2-40B4-BE49-F238E27FC236}">
+                <a16:creationId xmlns:a16="http://schemas.microsoft.com/office/drawing/2014/main" id="{B47A9516-BEC1-4125-B559-DC8886C10EBE}"/>
+              </a:ext>
+            </a:extLst>
+          </p:cNvPr>
+          <p:cNvCxnSpPr>
+            <a:cxnSpLocks/>
+            <a:stCxn id="4" idx="2"/>
+            <a:endCxn id="16" idx="3"/>
+          </p:cNvCxnSpPr>
+          <p:nvPr/>
+        </p:nvCxnSpPr>
+        <p:spPr>
+          <a:xfrm rot="10800000" flipV="1">
+            <a:off x="5825611" y="2602359"/>
+            <a:ext cx="666821" cy="178397"/>
+          </a:xfrm>
+          <a:prstGeom prst="bentConnector3">
+            <a:avLst>
+              <a:gd name="adj1" fmla="val 50000"/>
+            </a:avLst>
+          </a:prstGeom>
+          <a:ln>
+            <a:tailEnd type="triangle"/>
+          </a:ln>
+        </p:spPr>
+        <p:style>
+          <a:lnRef idx="1">
+            <a:schemeClr val="accent2"/>
+          </a:lnRef>
+          <a:fillRef idx="0">
+            <a:schemeClr val="accent2"/>
+          </a:fillRef>
+          <a:effectRef idx="0">
+            <a:schemeClr val="accent2"/>
+          </a:effectRef>
+          <a:fontRef idx="minor">
+            <a:schemeClr val="tx1"/>
+          </a:fontRef>
+        </p:style>
+      </p:cxnSp>
+      <p:cxnSp>
+        <p:nvCxnSpPr>
+          <p:cNvPr id="32" name="Connector: Elbow 31">
+            <a:extLst>
+              <a:ext uri="{FF2B5EF4-FFF2-40B4-BE49-F238E27FC236}">
+                <a16:creationId xmlns:a16="http://schemas.microsoft.com/office/drawing/2014/main" id="{0FFD4BBA-C3B0-40DB-A461-9C61678EA23F}"/>
+              </a:ext>
+            </a:extLst>
+          </p:cNvPr>
+          <p:cNvCxnSpPr>
+            <a:cxnSpLocks/>
+            <a:stCxn id="3" idx="2"/>
+            <a:endCxn id="16" idx="3"/>
+          </p:cNvCxnSpPr>
+          <p:nvPr/>
+        </p:nvCxnSpPr>
+        <p:spPr>
+          <a:xfrm rot="10800000">
+            <a:off x="5825610" y="2780758"/>
+            <a:ext cx="666820" cy="536179"/>
+          </a:xfrm>
+          <a:prstGeom prst="bentConnector3">
+            <a:avLst/>
+          </a:prstGeom>
+          <a:ln>
+            <a:tailEnd type="triangle"/>
+          </a:ln>
+        </p:spPr>
+        <p:style>
+          <a:lnRef idx="1">
+            <a:schemeClr val="accent2"/>
+          </a:lnRef>
+          <a:fillRef idx="0">
+            <a:schemeClr val="accent2"/>
+          </a:fillRef>
+          <a:effectRef idx="0">
+            <a:schemeClr val="accent2"/>
+          </a:effectRef>
+          <a:fontRef idx="minor">
+            <a:schemeClr val="tx1"/>
+          </a:fontRef>
+        </p:style>
+      </p:cxnSp>
+      <p:sp>
+        <p:nvSpPr>
+          <p:cNvPr id="33" name="Flowchart: Data 32">
+            <a:extLst>
+              <a:ext uri="{FF2B5EF4-FFF2-40B4-BE49-F238E27FC236}">
+                <a16:creationId xmlns:a16="http://schemas.microsoft.com/office/drawing/2014/main" id="{4B39A5FF-8313-463B-BF6B-C9EFD3B7DA99}"/>
               </a:ext>
             </a:extLst>
           </p:cNvPr>
@@ -4279,10 +4312,62 @@
         </p:nvSpPr>
         <p:spPr>
           <a:xfrm>
-            <a:off x="3284775" y="3983500"/>
-            <a:ext cx="1364343" cy="406400"/>
-          </a:xfrm>
-          <a:prstGeom prst="roundRect">
+            <a:off x="3657602" y="-980764"/>
+            <a:ext cx="2389238" cy="309716"/>
+          </a:xfrm>
+          <a:prstGeom prst="flowChartInputOutput">
+            <a:avLst/>
+          </a:prstGeom>
+        </p:spPr>
+        <p:style>
+          <a:lnRef idx="2">
+            <a:schemeClr val="accent2"/>
+          </a:lnRef>
+          <a:fillRef idx="1">
+            <a:schemeClr val="lt1"/>
+          </a:fillRef>
+          <a:effectRef idx="0">
+            <a:schemeClr val="accent2"/>
+          </a:effectRef>
+          <a:fontRef idx="minor">
+            <a:schemeClr val="dk1"/>
+          </a:fontRef>
+        </p:style>
+        <p:txBody>
+          <a:bodyPr rtlCol="0" anchor="ctr"/>
+          <a:lstStyle/>
+          <a:p>
+            <a:pPr algn="ctr"/>
+            <a:r>
+              <a:rPr lang="en-AU" sz="1400" dirty="0"/>
+              <a:t>Num.: </a:t>
+            </a:r>
+            <a:r>
+              <a:rPr lang="en-AU" sz="1400" dirty="0" err="1"/>
+              <a:t>GridPower</a:t>
+            </a:r>
+            <a:endParaRPr lang="en-AU" sz="1400" dirty="0"/>
+          </a:p>
+        </p:txBody>
+      </p:sp>
+      <p:sp>
+        <p:nvSpPr>
+          <p:cNvPr id="34" name="Rectangle 33">
+            <a:extLst>
+              <a:ext uri="{FF2B5EF4-FFF2-40B4-BE49-F238E27FC236}">
+                <a16:creationId xmlns:a16="http://schemas.microsoft.com/office/drawing/2014/main" id="{FFF82C76-C22E-4C04-9F86-C3097286C139}"/>
+              </a:ext>
+            </a:extLst>
+          </p:cNvPr>
+          <p:cNvSpPr/>
+          <p:nvPr/>
+        </p:nvSpPr>
+        <p:spPr>
+          <a:xfrm>
+            <a:off x="1518200" y="2021015"/>
+            <a:ext cx="1327355" cy="280219"/>
+          </a:xfrm>
+          <a:prstGeom prst="rect">
             <a:avLst/>
           </a:prstGeom>
         </p:spPr>
@@ -4308,31 +4393,86 @@
           <a:p>
             <a:pPr algn="ctr"/>
             <a:r>
-              <a:rPr lang="en-AU" dirty="0"/>
-              <a:t>End</a:t>
-            </a:r>
+              <a:rPr lang="en-AU" sz="1400" dirty="0"/>
+              <a:t>Drive car</a:t>
+            </a:r>
+          </a:p>
+        </p:txBody>
+      </p:sp>
+      <p:sp>
+        <p:nvSpPr>
+          <p:cNvPr id="42" name="Flowchart: Decision 41">
+            <a:extLst>
+              <a:ext uri="{FF2B5EF4-FFF2-40B4-BE49-F238E27FC236}">
+                <a16:creationId xmlns:a16="http://schemas.microsoft.com/office/drawing/2014/main" id="{C35ADF42-1AA4-4D2B-81B2-0DAE11AE7E48}"/>
+              </a:ext>
+            </a:extLst>
+          </p:cNvPr>
+          <p:cNvSpPr/>
+          <p:nvPr/>
+        </p:nvSpPr>
+        <p:spPr>
+          <a:xfrm>
+            <a:off x="3436374" y="3840213"/>
+            <a:ext cx="2389236" cy="870154"/>
+          </a:xfrm>
+          <a:prstGeom prst="flowChartDecision">
+            <a:avLst/>
+          </a:prstGeom>
+        </p:spPr>
+        <p:style>
+          <a:lnRef idx="2">
+            <a:schemeClr val="accent1">
+              <a:shade val="50000"/>
+            </a:schemeClr>
+          </a:lnRef>
+          <a:fillRef idx="1">
+            <a:schemeClr val="accent1"/>
+          </a:fillRef>
+          <a:effectRef idx="0">
+            <a:schemeClr val="accent1"/>
+          </a:effectRef>
+          <a:fontRef idx="minor">
+            <a:schemeClr val="lt1"/>
+          </a:fontRef>
+        </p:style>
+        <p:txBody>
+          <a:bodyPr rtlCol="0" anchor="ctr"/>
+          <a:lstStyle/>
+          <a:p>
+            <a:pPr algn="ctr"/>
+            <a:r>
+              <a:rPr lang="en-AU" sz="1400" dirty="0"/>
+              <a:t>Check </a:t>
+            </a:r>
+            <a:r>
+              <a:rPr lang="en-AU" sz="1400" dirty="0" err="1"/>
+              <a:t>BusSchedule</a:t>
+            </a:r>
+            <a:endParaRPr lang="en-AU" sz="1400" dirty="0"/>
           </a:p>
         </p:txBody>
       </p:sp>
       <p:cxnSp>
         <p:nvCxnSpPr>
-          <p:cNvPr id="18" name="Straight Arrow Connector 17">
-            <a:extLst>
-              <a:ext uri="{FF2B5EF4-FFF2-40B4-BE49-F238E27FC236}">
-                <a16:creationId xmlns:a16="http://schemas.microsoft.com/office/drawing/2014/main" id="{09C511CF-C422-4C10-B008-B8CC22AAF764}"/>
+          <p:cNvPr id="44" name="Straight Arrow Connector 43">
+            <a:extLst>
+              <a:ext uri="{FF2B5EF4-FFF2-40B4-BE49-F238E27FC236}">
+                <a16:creationId xmlns:a16="http://schemas.microsoft.com/office/drawing/2014/main" id="{2B84B552-5E8D-437D-864D-25C016B57A81}"/>
               </a:ext>
             </a:extLst>
           </p:cNvPr>
           <p:cNvCxnSpPr>
-            <a:stCxn id="11" idx="2"/>
-            <a:endCxn id="17" idx="0"/>
+            <a:cxnSpLocks/>
+            <a:stCxn id="16" idx="2"/>
+            <a:endCxn id="42" idx="0"/>
           </p:cNvCxnSpPr>
           <p:nvPr/>
         </p:nvCxnSpPr>
         <p:spPr>
-          <a:xfrm flipH="1">
-            <a:off x="3966947" y="3279899"/>
-            <a:ext cx="1" cy="703601"/>
+          <a:xfrm>
+            <a:off x="4630992" y="3215834"/>
+            <a:ext cx="0" cy="624379"/>
           </a:xfrm>
           <a:prstGeom prst="straightConnector1">
             <a:avLst/>
@@ -4356,10 +4496,646 @@
           </a:fontRef>
         </p:style>
       </p:cxnSp>
+      <p:sp>
+        <p:nvSpPr>
+          <p:cNvPr id="49" name="Rectangle 48">
+            <a:extLst>
+              <a:ext uri="{FF2B5EF4-FFF2-40B4-BE49-F238E27FC236}">
+                <a16:creationId xmlns:a16="http://schemas.microsoft.com/office/drawing/2014/main" id="{75304FA9-2823-461B-BA31-FF3451348BD9}"/>
+              </a:ext>
+            </a:extLst>
+          </p:cNvPr>
+          <p:cNvSpPr/>
+          <p:nvPr/>
+        </p:nvSpPr>
+        <p:spPr>
+          <a:xfrm>
+            <a:off x="1518199" y="5188912"/>
+            <a:ext cx="1327355" cy="427707"/>
+          </a:xfrm>
+          <a:prstGeom prst="rect">
+            <a:avLst/>
+          </a:prstGeom>
+        </p:spPr>
+        <p:style>
+          <a:lnRef idx="2">
+            <a:schemeClr val="accent1">
+              <a:shade val="50000"/>
+            </a:schemeClr>
+          </a:lnRef>
+          <a:fillRef idx="1">
+            <a:schemeClr val="accent1"/>
+          </a:fillRef>
+          <a:effectRef idx="0">
+            <a:schemeClr val="accent1"/>
+          </a:effectRef>
+          <a:fontRef idx="minor">
+            <a:schemeClr val="lt1"/>
+          </a:fontRef>
+        </p:style>
+        <p:txBody>
+          <a:bodyPr rtlCol="0" anchor="ctr"/>
+          <a:lstStyle/>
+          <a:p>
+            <a:pPr algn="ctr"/>
+            <a:r>
+              <a:rPr lang="en-AU" sz="1400" dirty="0"/>
+              <a:t>Go to bus station</a:t>
+            </a:r>
+          </a:p>
+        </p:txBody>
+      </p:sp>
+      <p:cxnSp>
+        <p:nvCxnSpPr>
+          <p:cNvPr id="54" name="Connector: Elbow 53">
+            <a:extLst>
+              <a:ext uri="{FF2B5EF4-FFF2-40B4-BE49-F238E27FC236}">
+                <a16:creationId xmlns:a16="http://schemas.microsoft.com/office/drawing/2014/main" id="{1EB81839-5787-4CF0-83E3-AA13DFFBF20B}"/>
+              </a:ext>
+            </a:extLst>
+          </p:cNvPr>
+          <p:cNvCxnSpPr>
+            <a:cxnSpLocks/>
+            <a:stCxn id="2" idx="5"/>
+            <a:endCxn id="49" idx="3"/>
+          </p:cNvCxnSpPr>
+          <p:nvPr/>
+        </p:nvCxnSpPr>
+        <p:spPr>
+          <a:xfrm flipH="1">
+            <a:off x="2845554" y="1407169"/>
+            <a:ext cx="4811257" cy="3995597"/>
+          </a:xfrm>
+          <a:prstGeom prst="bentConnector3">
+            <a:avLst>
+              <a:gd name="adj1" fmla="val -7767"/>
+            </a:avLst>
+          </a:prstGeom>
+          <a:ln>
+            <a:tailEnd type="triangle"/>
+          </a:ln>
+        </p:spPr>
+        <p:style>
+          <a:lnRef idx="1">
+            <a:schemeClr val="accent2"/>
+          </a:lnRef>
+          <a:fillRef idx="0">
+            <a:schemeClr val="accent2"/>
+          </a:fillRef>
+          <a:effectRef idx="0">
+            <a:schemeClr val="accent2"/>
+          </a:effectRef>
+          <a:fontRef idx="minor">
+            <a:schemeClr val="tx1"/>
+          </a:fontRef>
+        </p:style>
+      </p:cxnSp>
+      <p:cxnSp>
+        <p:nvCxnSpPr>
+          <p:cNvPr id="56" name="Straight Arrow Connector 55">
+            <a:extLst>
+              <a:ext uri="{FF2B5EF4-FFF2-40B4-BE49-F238E27FC236}">
+                <a16:creationId xmlns:a16="http://schemas.microsoft.com/office/drawing/2014/main" id="{0F997698-0D97-4A4F-9E96-DD13F037939F}"/>
+              </a:ext>
+            </a:extLst>
+          </p:cNvPr>
+          <p:cNvCxnSpPr>
+            <a:cxnSpLocks/>
+            <a:stCxn id="5" idx="2"/>
+            <a:endCxn id="42" idx="3"/>
+          </p:cNvCxnSpPr>
+          <p:nvPr/>
+        </p:nvCxnSpPr>
+        <p:spPr>
+          <a:xfrm flipH="1" flipV="1">
+            <a:off x="5825610" y="4275290"/>
+            <a:ext cx="504585" cy="14507"/>
+          </a:xfrm>
+          <a:prstGeom prst="straightConnector1">
+            <a:avLst/>
+          </a:prstGeom>
+          <a:ln>
+            <a:tailEnd type="triangle"/>
+          </a:ln>
+        </p:spPr>
+        <p:style>
+          <a:lnRef idx="1">
+            <a:schemeClr val="accent2"/>
+          </a:lnRef>
+          <a:fillRef idx="0">
+            <a:schemeClr val="accent2"/>
+          </a:fillRef>
+          <a:effectRef idx="0">
+            <a:schemeClr val="accent2"/>
+          </a:effectRef>
+          <a:fontRef idx="minor">
+            <a:schemeClr val="tx1"/>
+          </a:fontRef>
+        </p:style>
+      </p:cxnSp>
+      <p:cxnSp>
+        <p:nvCxnSpPr>
+          <p:cNvPr id="65" name="Connector: Elbow 64">
+            <a:extLst>
+              <a:ext uri="{FF2B5EF4-FFF2-40B4-BE49-F238E27FC236}">
+                <a16:creationId xmlns:a16="http://schemas.microsoft.com/office/drawing/2014/main" id="{8AD7C67C-59C4-4955-8903-90380655C558}"/>
+              </a:ext>
+            </a:extLst>
+          </p:cNvPr>
+          <p:cNvCxnSpPr>
+            <a:stCxn id="49" idx="1"/>
+            <a:endCxn id="14" idx="2"/>
+          </p:cNvCxnSpPr>
+          <p:nvPr/>
+        </p:nvCxnSpPr>
+        <p:spPr>
+          <a:xfrm rot="10800000">
+            <a:off x="426821" y="3362154"/>
+            <a:ext cx="1091379" cy="2040613"/>
+          </a:xfrm>
+          <a:prstGeom prst="bentConnector3">
+            <a:avLst>
+              <a:gd name="adj1" fmla="val 120946"/>
+            </a:avLst>
+          </a:prstGeom>
+          <a:ln>
+            <a:tailEnd type="triangle"/>
+          </a:ln>
+        </p:spPr>
+        <p:style>
+          <a:lnRef idx="1">
+            <a:schemeClr val="accent1"/>
+          </a:lnRef>
+          <a:fillRef idx="0">
+            <a:schemeClr val="accent1"/>
+          </a:fillRef>
+          <a:effectRef idx="0">
+            <a:schemeClr val="accent1"/>
+          </a:effectRef>
+          <a:fontRef idx="minor">
+            <a:schemeClr val="tx1"/>
+          </a:fontRef>
+        </p:style>
+      </p:cxnSp>
+      <p:cxnSp>
+        <p:nvCxnSpPr>
+          <p:cNvPr id="67" name="Connector: Elbow 66">
+            <a:extLst>
+              <a:ext uri="{FF2B5EF4-FFF2-40B4-BE49-F238E27FC236}">
+                <a16:creationId xmlns:a16="http://schemas.microsoft.com/office/drawing/2014/main" id="{6A518C13-002C-4054-9E89-2220A67C1954}"/>
+              </a:ext>
+            </a:extLst>
+          </p:cNvPr>
+          <p:cNvCxnSpPr>
+            <a:cxnSpLocks/>
+            <a:stCxn id="42" idx="1"/>
+          </p:cNvCxnSpPr>
+          <p:nvPr/>
+        </p:nvCxnSpPr>
+        <p:spPr>
+          <a:xfrm rot="10800000">
+            <a:off x="1781252" y="2326710"/>
+            <a:ext cx="1655123" cy="1948580"/>
+          </a:xfrm>
+          <a:prstGeom prst="bentConnector2">
+            <a:avLst/>
+          </a:prstGeom>
+          <a:ln>
+            <a:tailEnd type="triangle"/>
+          </a:ln>
+        </p:spPr>
+        <p:style>
+          <a:lnRef idx="1">
+            <a:schemeClr val="accent1"/>
+          </a:lnRef>
+          <a:fillRef idx="0">
+            <a:schemeClr val="accent1"/>
+          </a:fillRef>
+          <a:effectRef idx="0">
+            <a:schemeClr val="accent1"/>
+          </a:effectRef>
+          <a:fontRef idx="minor">
+            <a:schemeClr val="tx1"/>
+          </a:fontRef>
+        </p:style>
+      </p:cxnSp>
+      <p:cxnSp>
+        <p:nvCxnSpPr>
+          <p:cNvPr id="77" name="Connector: Elbow 76">
+            <a:extLst>
+              <a:ext uri="{FF2B5EF4-FFF2-40B4-BE49-F238E27FC236}">
+                <a16:creationId xmlns:a16="http://schemas.microsoft.com/office/drawing/2014/main" id="{D92065C6-140E-4366-AC35-99CAB6666281}"/>
+              </a:ext>
+            </a:extLst>
+          </p:cNvPr>
+          <p:cNvCxnSpPr>
+            <a:stCxn id="34" idx="1"/>
+            <a:endCxn id="14" idx="0"/>
+          </p:cNvCxnSpPr>
+          <p:nvPr/>
+        </p:nvCxnSpPr>
+        <p:spPr>
+          <a:xfrm rot="10800000" flipV="1">
+            <a:off x="1038878" y="2161125"/>
+            <a:ext cx="479322" cy="987174"/>
+          </a:xfrm>
+          <a:prstGeom prst="bentConnector2">
+            <a:avLst/>
+          </a:prstGeom>
+          <a:ln>
+            <a:tailEnd type="triangle"/>
+          </a:ln>
+        </p:spPr>
+        <p:style>
+          <a:lnRef idx="1">
+            <a:schemeClr val="accent1"/>
+          </a:lnRef>
+          <a:fillRef idx="0">
+            <a:schemeClr val="accent1"/>
+          </a:fillRef>
+          <a:effectRef idx="0">
+            <a:schemeClr val="accent1"/>
+          </a:effectRef>
+          <a:fontRef idx="minor">
+            <a:schemeClr val="tx1"/>
+          </a:fontRef>
+        </p:style>
+      </p:cxnSp>
+      <p:cxnSp>
+        <p:nvCxnSpPr>
+          <p:cNvPr id="94" name="Connector: Elbow 93">
+            <a:extLst>
+              <a:ext uri="{FF2B5EF4-FFF2-40B4-BE49-F238E27FC236}">
+                <a16:creationId xmlns:a16="http://schemas.microsoft.com/office/drawing/2014/main" id="{E3815DA3-9238-4418-BC12-9C2B0608B570}"/>
+              </a:ext>
+            </a:extLst>
+          </p:cNvPr>
+          <p:cNvCxnSpPr>
+            <a:stCxn id="42" idx="2"/>
+            <a:endCxn id="49" idx="0"/>
+          </p:cNvCxnSpPr>
+          <p:nvPr/>
+        </p:nvCxnSpPr>
+        <p:spPr>
+          <a:xfrm rot="5400000">
+            <a:off x="3167163" y="3725082"/>
+            <a:ext cx="478545" cy="2449115"/>
+          </a:xfrm>
+          <a:prstGeom prst="bentConnector3">
+            <a:avLst/>
+          </a:prstGeom>
+          <a:ln>
+            <a:tailEnd type="triangle"/>
+          </a:ln>
+        </p:spPr>
+        <p:style>
+          <a:lnRef idx="1">
+            <a:schemeClr val="accent1"/>
+          </a:lnRef>
+          <a:fillRef idx="0">
+            <a:schemeClr val="accent1"/>
+          </a:fillRef>
+          <a:effectRef idx="0">
+            <a:schemeClr val="accent1"/>
+          </a:effectRef>
+          <a:fontRef idx="minor">
+            <a:schemeClr val="tx1"/>
+          </a:fontRef>
+        </p:style>
+      </p:cxnSp>
+      <p:sp>
+        <p:nvSpPr>
+          <p:cNvPr id="95" name="TextBox 94">
+            <a:extLst>
+              <a:ext uri="{FF2B5EF4-FFF2-40B4-BE49-F238E27FC236}">
+                <a16:creationId xmlns:a16="http://schemas.microsoft.com/office/drawing/2014/main" id="{811A7AAC-9E83-4B0D-A994-56CAA848C810}"/>
+              </a:ext>
+            </a:extLst>
+          </p:cNvPr>
+          <p:cNvSpPr txBox="1"/>
+          <p:nvPr/>
+        </p:nvSpPr>
+        <p:spPr>
+          <a:xfrm>
+            <a:off x="4420870" y="3360210"/>
+            <a:ext cx="420243" cy="307777"/>
+          </a:xfrm>
+          <a:prstGeom prst="rect">
+            <a:avLst/>
+          </a:prstGeom>
+          <a:noFill/>
+        </p:spPr>
+        <p:txBody>
+          <a:bodyPr wrap="none" rtlCol="0">
+            <a:spAutoFit/>
+          </a:bodyPr>
+          <a:lstStyle/>
+          <a:p>
+            <a:r>
+              <a:rPr lang="en-AU" sz="1400" dirty="0"/>
+              <a:t>Yes</a:t>
+            </a:r>
+          </a:p>
+        </p:txBody>
+      </p:sp>
+      <p:sp>
+        <p:nvSpPr>
+          <p:cNvPr id="135" name="TextBox 134">
+            <a:extLst>
+              <a:ext uri="{FF2B5EF4-FFF2-40B4-BE49-F238E27FC236}">
+                <a16:creationId xmlns:a16="http://schemas.microsoft.com/office/drawing/2014/main" id="{937D0DDA-75E5-4454-A010-1ABAAE29596A}"/>
+              </a:ext>
+            </a:extLst>
+          </p:cNvPr>
+          <p:cNvSpPr txBox="1"/>
+          <p:nvPr/>
+        </p:nvSpPr>
+        <p:spPr>
+          <a:xfrm>
+            <a:off x="8212467" y="897710"/>
+            <a:ext cx="3733723" cy="4832092"/>
+          </a:xfrm>
+          <a:prstGeom prst="rect">
+            <a:avLst/>
+          </a:prstGeom>
+          <a:noFill/>
+        </p:spPr>
+        <p:txBody>
+          <a:bodyPr wrap="square" rtlCol="0">
+            <a:spAutoFit/>
+          </a:bodyPr>
+          <a:lstStyle/>
+          <a:p>
+            <a:r>
+              <a:rPr lang="en-AU" sz="1400" dirty="0"/>
+              <a:t>CREATE Variables [String: Message, </a:t>
+            </a:r>
+            <a:r>
+              <a:rPr lang="en-AU" sz="1400" dirty="0" err="1"/>
+              <a:t>DateTime</a:t>
+            </a:r>
+            <a:r>
+              <a:rPr lang="en-AU" sz="1400" dirty="0"/>
+              <a:t>: Noon, </a:t>
+            </a:r>
+            <a:r>
+              <a:rPr lang="en-AU" sz="1400" dirty="0" err="1"/>
+              <a:t>DateTime</a:t>
+            </a:r>
+            <a:r>
+              <a:rPr lang="en-AU" sz="1400" dirty="0"/>
+              <a:t>: Evening, Num: </a:t>
+            </a:r>
+            <a:r>
+              <a:rPr lang="en-AU" sz="1400" dirty="0" err="1"/>
+              <a:t>BusSchedule</a:t>
+            </a:r>
+            <a:r>
+              <a:rPr lang="en-AU" sz="1400" dirty="0"/>
+              <a:t>)</a:t>
+            </a:r>
+          </a:p>
+          <a:p>
+            <a:endParaRPr lang="en-AU" sz="1400" dirty="0"/>
+          </a:p>
+          <a:p>
+            <a:r>
+              <a:rPr lang="en-AU" sz="1400" dirty="0"/>
+              <a:t>Message = “Go to school by bus”</a:t>
+            </a:r>
+          </a:p>
+          <a:p>
+            <a:r>
+              <a:rPr lang="en-AU" sz="1400" dirty="0"/>
+              <a:t>Morning = “8pm”</a:t>
+            </a:r>
+          </a:p>
+          <a:p>
+            <a:r>
+              <a:rPr lang="en-AU" sz="1400" dirty="0"/>
+              <a:t>Afternoon = “4pm”</a:t>
+            </a:r>
+          </a:p>
+          <a:p>
+            <a:r>
+              <a:rPr lang="en-AU" sz="1400" dirty="0" err="1"/>
+              <a:t>BusSchedule</a:t>
+            </a:r>
+            <a:r>
+              <a:rPr lang="en-AU" sz="1400" dirty="0"/>
+              <a:t> </a:t>
+            </a:r>
+            <a:r>
+              <a:rPr lang="en-AU" sz="1400"/>
+              <a:t>= [“hours </a:t>
+            </a:r>
+            <a:r>
+              <a:rPr lang="en-AU" sz="1400" dirty="0"/>
+              <a:t>till </a:t>
+            </a:r>
+            <a:r>
+              <a:rPr lang="en-AU" sz="1400"/>
+              <a:t>class starts”]</a:t>
+            </a:r>
+            <a:endParaRPr lang="en-AU" sz="1400" dirty="0"/>
+          </a:p>
+          <a:p>
+            <a:r>
+              <a:rPr lang="en-AU" sz="1400" dirty="0" err="1"/>
+              <a:t>CurrentTime</a:t>
+            </a:r>
+            <a:r>
+              <a:rPr lang="en-AU" sz="1400" dirty="0"/>
+              <a:t> = [</a:t>
+            </a:r>
+            <a:r>
+              <a:rPr lang="en-AU" sz="1400" dirty="0" err="1"/>
+              <a:t>BusSchedule</a:t>
+            </a:r>
+            <a:r>
+              <a:rPr lang="en-AU" sz="1400" dirty="0"/>
+              <a:t>]</a:t>
+            </a:r>
+          </a:p>
+          <a:p>
+            <a:endParaRPr lang="en-AU" sz="1400" dirty="0"/>
+          </a:p>
+          <a:p>
+            <a:r>
+              <a:rPr lang="en-AU" sz="1400" dirty="0"/>
+              <a:t>DO WHILE </a:t>
+            </a:r>
+            <a:r>
+              <a:rPr lang="en-AU" sz="1400" dirty="0" err="1"/>
+              <a:t>CurrentTime</a:t>
+            </a:r>
+            <a:r>
+              <a:rPr lang="en-AU" sz="1400" dirty="0"/>
+              <a:t> &gt; Morning &amp; &lt; Afternoon</a:t>
+            </a:r>
+          </a:p>
+          <a:p>
+            <a:r>
+              <a:rPr lang="en-AU" sz="1400" dirty="0"/>
+              <a:t>	IF </a:t>
+            </a:r>
+            <a:r>
+              <a:rPr lang="en-AU" sz="1400" dirty="0" err="1"/>
+              <a:t>BusSchedule</a:t>
+            </a:r>
+            <a:r>
+              <a:rPr lang="en-AU" sz="1400" dirty="0"/>
+              <a:t> &gt;1</a:t>
+            </a:r>
+          </a:p>
+          <a:p>
+            <a:r>
+              <a:rPr lang="en-AU" sz="1400" dirty="0"/>
+              <a:t>		SEND [Message]</a:t>
+            </a:r>
+          </a:p>
+          <a:p>
+            <a:endParaRPr lang="en-AU" sz="1400" dirty="0"/>
+          </a:p>
+          <a:p>
+            <a:r>
+              <a:rPr lang="en-AU" sz="1400" dirty="0"/>
+              <a:t>IF </a:t>
+            </a:r>
+            <a:r>
+              <a:rPr lang="en-AU" sz="1400" dirty="0" err="1"/>
+              <a:t>CurrentTime</a:t>
+            </a:r>
+            <a:r>
+              <a:rPr lang="en-AU" sz="1400" dirty="0"/>
+              <a:t> &gt; Morning &amp; </a:t>
+            </a:r>
+            <a:r>
+              <a:rPr lang="en-AU" sz="1400" dirty="0" err="1"/>
+              <a:t>CurrentTime</a:t>
+            </a:r>
+            <a:r>
+              <a:rPr lang="en-AU" sz="1400" dirty="0"/>
+              <a:t> &lt; Afternoon THEN</a:t>
+            </a:r>
+          </a:p>
+          <a:p>
+            <a:r>
+              <a:rPr lang="en-AU" sz="1400" dirty="0"/>
+              <a:t>	IF </a:t>
+            </a:r>
+            <a:r>
+              <a:rPr lang="en-AU" sz="1400" dirty="0" err="1"/>
+              <a:t>BusSchedule</a:t>
+            </a:r>
+            <a:r>
+              <a:rPr lang="en-AU" sz="1400" dirty="0"/>
+              <a:t> &lt; 1 THEN </a:t>
+            </a:r>
+          </a:p>
+          <a:p>
+            <a:r>
+              <a:rPr lang="en-AU" sz="1400" dirty="0"/>
+              <a:t>		DRIVE [Car]</a:t>
+            </a:r>
+          </a:p>
+          <a:p>
+            <a:r>
+              <a:rPr lang="en-AU" sz="1400" dirty="0"/>
+              <a:t>ELSE </a:t>
+            </a:r>
+          </a:p>
+          <a:p>
+            <a:r>
+              <a:rPr lang="en-AU" sz="1400" dirty="0"/>
+              <a:t>	END</a:t>
+            </a:r>
+          </a:p>
+          <a:p>
+            <a:endParaRPr lang="en-AU" sz="1400" dirty="0"/>
+          </a:p>
+          <a:p>
+            <a:r>
+              <a:rPr lang="en-AU" sz="1400" dirty="0"/>
+              <a:t>END PROGRAM</a:t>
+            </a:r>
+          </a:p>
+        </p:txBody>
+      </p:sp>
+      <p:sp>
+        <p:nvSpPr>
+          <p:cNvPr id="137" name="TextBox 136">
+            <a:extLst>
+              <a:ext uri="{FF2B5EF4-FFF2-40B4-BE49-F238E27FC236}">
+                <a16:creationId xmlns:a16="http://schemas.microsoft.com/office/drawing/2014/main" id="{4E41322C-E059-48F4-A0A5-5740D96AE5BF}"/>
+              </a:ext>
+            </a:extLst>
+          </p:cNvPr>
+          <p:cNvSpPr txBox="1"/>
+          <p:nvPr/>
+        </p:nvSpPr>
+        <p:spPr>
+          <a:xfrm>
+            <a:off x="1578311" y="4117812"/>
+            <a:ext cx="405880" cy="307777"/>
+          </a:xfrm>
+          <a:prstGeom prst="rect">
+            <a:avLst/>
+          </a:prstGeom>
+          <a:noFill/>
+        </p:spPr>
+        <p:txBody>
+          <a:bodyPr wrap="none" rtlCol="0">
+            <a:spAutoFit/>
+          </a:bodyPr>
+          <a:lstStyle/>
+          <a:p>
+            <a:r>
+              <a:rPr lang="en-AU" sz="1400" dirty="0"/>
+              <a:t>&lt; 1</a:t>
+            </a:r>
+          </a:p>
+        </p:txBody>
+      </p:sp>
+      <p:sp>
+        <p:nvSpPr>
+          <p:cNvPr id="140" name="TextBox 139">
+            <a:extLst>
+              <a:ext uri="{FF2B5EF4-FFF2-40B4-BE49-F238E27FC236}">
+                <a16:creationId xmlns:a16="http://schemas.microsoft.com/office/drawing/2014/main" id="{66B42E41-7946-4902-98EB-15F66EDBD139}"/>
+              </a:ext>
+            </a:extLst>
+          </p:cNvPr>
+          <p:cNvSpPr txBox="1"/>
+          <p:nvPr/>
+        </p:nvSpPr>
+        <p:spPr>
+          <a:xfrm>
+            <a:off x="3362194" y="4788233"/>
+            <a:ext cx="405880" cy="307777"/>
+          </a:xfrm>
+          <a:prstGeom prst="rect">
+            <a:avLst/>
+          </a:prstGeom>
+          <a:noFill/>
+        </p:spPr>
+        <p:txBody>
+          <a:bodyPr wrap="none" rtlCol="0">
+            <a:spAutoFit/>
+          </a:bodyPr>
+          <a:lstStyle/>
+          <a:p>
+            <a:r>
+              <a:rPr lang="en-AU" sz="1400" dirty="0"/>
+              <a:t>&gt; 1</a:t>
+            </a:r>
+          </a:p>
+        </p:txBody>
+      </p:sp>
     </p:spTree>
     <p:extLst>
       <p:ext uri="{BB962C8B-B14F-4D97-AF65-F5344CB8AC3E}">
-        <p14:creationId xmlns:p14="http://schemas.microsoft.com/office/powerpoint/2010/main" val="2728602153"/>
+        <p14:creationId xmlns:p14="http://schemas.microsoft.com/office/powerpoint/2010/main" val="2754637810"/>
       </p:ext>
     </p:extLst>
   </p:cSld>

--- a/students/u3201052/wk3/wk3exercise_flowchart.pptx
+++ b/students/u3201052/wk3/wk3exercise_flowchart.pptx
@@ -5,7 +5,8 @@
     <p:sldMasterId id="2147483648" r:id="rId1"/>
   </p:sldMasterIdLst>
   <p:sldIdLst>
-    <p:sldId id="258" r:id="rId2"/>
+    <p:sldId id="259" r:id="rId2"/>
+    <p:sldId id="258" r:id="rId3"/>
   </p:sldIdLst>
   <p:sldSz cx="12192000" cy="6858000"/>
   <p:notesSz cx="6858000" cy="9144000"/>
@@ -261,7 +262,7 @@
           <a:p>
             <a:fld id="{B0E8B34E-6603-4888-8622-269D13050B01}" type="datetimeFigureOut">
               <a:rPr lang="en-AU" smtClean="0"/>
-              <a:t>26/08/2020</a:t>
+              <a:t>31/08/2020</a:t>
             </a:fld>
             <a:endParaRPr lang="en-AU"/>
           </a:p>
@@ -461,7 +462,7 @@
           <a:p>
             <a:fld id="{B0E8B34E-6603-4888-8622-269D13050B01}" type="datetimeFigureOut">
               <a:rPr lang="en-AU" smtClean="0"/>
-              <a:t>26/08/2020</a:t>
+              <a:t>31/08/2020</a:t>
             </a:fld>
             <a:endParaRPr lang="en-AU"/>
           </a:p>
@@ -671,7 +672,7 @@
           <a:p>
             <a:fld id="{B0E8B34E-6603-4888-8622-269D13050B01}" type="datetimeFigureOut">
               <a:rPr lang="en-AU" smtClean="0"/>
-              <a:t>26/08/2020</a:t>
+              <a:t>31/08/2020</a:t>
             </a:fld>
             <a:endParaRPr lang="en-AU"/>
           </a:p>
@@ -871,7 +872,7 @@
           <a:p>
             <a:fld id="{B0E8B34E-6603-4888-8622-269D13050B01}" type="datetimeFigureOut">
               <a:rPr lang="en-AU" smtClean="0"/>
-              <a:t>26/08/2020</a:t>
+              <a:t>31/08/2020</a:t>
             </a:fld>
             <a:endParaRPr lang="en-AU"/>
           </a:p>
@@ -1147,7 +1148,7 @@
           <a:p>
             <a:fld id="{B0E8B34E-6603-4888-8622-269D13050B01}" type="datetimeFigureOut">
               <a:rPr lang="en-AU" smtClean="0"/>
-              <a:t>26/08/2020</a:t>
+              <a:t>31/08/2020</a:t>
             </a:fld>
             <a:endParaRPr lang="en-AU"/>
           </a:p>
@@ -1415,7 +1416,7 @@
           <a:p>
             <a:fld id="{B0E8B34E-6603-4888-8622-269D13050B01}" type="datetimeFigureOut">
               <a:rPr lang="en-AU" smtClean="0"/>
-              <a:t>26/08/2020</a:t>
+              <a:t>31/08/2020</a:t>
             </a:fld>
             <a:endParaRPr lang="en-AU"/>
           </a:p>
@@ -1830,7 +1831,7 @@
           <a:p>
             <a:fld id="{B0E8B34E-6603-4888-8622-269D13050B01}" type="datetimeFigureOut">
               <a:rPr lang="en-AU" smtClean="0"/>
-              <a:t>26/08/2020</a:t>
+              <a:t>31/08/2020</a:t>
             </a:fld>
             <a:endParaRPr lang="en-AU"/>
           </a:p>
@@ -1972,7 +1973,7 @@
           <a:p>
             <a:fld id="{B0E8B34E-6603-4888-8622-269D13050B01}" type="datetimeFigureOut">
               <a:rPr lang="en-AU" smtClean="0"/>
-              <a:t>26/08/2020</a:t>
+              <a:t>31/08/2020</a:t>
             </a:fld>
             <a:endParaRPr lang="en-AU"/>
           </a:p>
@@ -2085,7 +2086,7 @@
           <a:p>
             <a:fld id="{B0E8B34E-6603-4888-8622-269D13050B01}" type="datetimeFigureOut">
               <a:rPr lang="en-AU" smtClean="0"/>
-              <a:t>26/08/2020</a:t>
+              <a:t>31/08/2020</a:t>
             </a:fld>
             <a:endParaRPr lang="en-AU"/>
           </a:p>
@@ -2398,7 +2399,7 @@
           <a:p>
             <a:fld id="{B0E8B34E-6603-4888-8622-269D13050B01}" type="datetimeFigureOut">
               <a:rPr lang="en-AU" smtClean="0"/>
-              <a:t>26/08/2020</a:t>
+              <a:t>31/08/2020</a:t>
             </a:fld>
             <a:endParaRPr lang="en-AU"/>
           </a:p>
@@ -2687,7 +2688,7 @@
           <a:p>
             <a:fld id="{B0E8B34E-6603-4888-8622-269D13050B01}" type="datetimeFigureOut">
               <a:rPr lang="en-AU" smtClean="0"/>
-              <a:t>26/08/2020</a:t>
+              <a:t>31/08/2020</a:t>
             </a:fld>
             <a:endParaRPr lang="en-AU"/>
           </a:p>
@@ -2930,7 +2931,7 @@
           <a:p>
             <a:fld id="{B0E8B34E-6603-4888-8622-269D13050B01}" type="datetimeFigureOut">
               <a:rPr lang="en-AU" smtClean="0"/>
-              <a:t>26/08/2020</a:t>
+              <a:t>31/08/2020</a:t>
             </a:fld>
             <a:endParaRPr lang="en-AU"/>
           </a:p>
@@ -3349,6 +3350,1401 @@
       </p:grpSpPr>
       <p:sp>
         <p:nvSpPr>
+          <p:cNvPr id="8" name="Oval 7">
+            <a:extLst>
+              <a:ext uri="{FF2B5EF4-FFF2-40B4-BE49-F238E27FC236}">
+                <a16:creationId xmlns:a16="http://schemas.microsoft.com/office/drawing/2014/main" id="{AD9C396B-01FC-44F8-99A5-C9F7A636E8E1}"/>
+              </a:ext>
+            </a:extLst>
+          </p:cNvPr>
+          <p:cNvSpPr/>
+          <p:nvPr/>
+        </p:nvSpPr>
+        <p:spPr>
+          <a:xfrm>
+            <a:off x="2999572" y="234032"/>
+            <a:ext cx="1224116" cy="427707"/>
+          </a:xfrm>
+          <a:prstGeom prst="ellipse">
+            <a:avLst/>
+          </a:prstGeom>
+        </p:spPr>
+        <p:style>
+          <a:lnRef idx="2">
+            <a:schemeClr val="accent1">
+              <a:shade val="50000"/>
+            </a:schemeClr>
+          </a:lnRef>
+          <a:fillRef idx="1">
+            <a:schemeClr val="accent1"/>
+          </a:fillRef>
+          <a:effectRef idx="0">
+            <a:schemeClr val="accent1"/>
+          </a:effectRef>
+          <a:fontRef idx="minor">
+            <a:schemeClr val="lt1"/>
+          </a:fontRef>
+        </p:style>
+        <p:txBody>
+          <a:bodyPr rtlCol="0" anchor="ctr"/>
+          <a:lstStyle/>
+          <a:p>
+            <a:pPr algn="ctr"/>
+            <a:r>
+              <a:rPr lang="en-AU" sz="1400" dirty="0"/>
+              <a:t>START</a:t>
+            </a:r>
+          </a:p>
+        </p:txBody>
+      </p:sp>
+      <p:sp>
+        <p:nvSpPr>
+          <p:cNvPr id="9" name="Rectangle 8">
+            <a:extLst>
+              <a:ext uri="{FF2B5EF4-FFF2-40B4-BE49-F238E27FC236}">
+                <a16:creationId xmlns:a16="http://schemas.microsoft.com/office/drawing/2014/main" id="{86B9A4C4-226C-44A6-9DB5-2481B8FB4225}"/>
+              </a:ext>
+            </a:extLst>
+          </p:cNvPr>
+          <p:cNvSpPr/>
+          <p:nvPr/>
+        </p:nvSpPr>
+        <p:spPr>
+          <a:xfrm>
+            <a:off x="2945494" y="1089443"/>
+            <a:ext cx="1327355" cy="280219"/>
+          </a:xfrm>
+          <a:prstGeom prst="rect">
+            <a:avLst/>
+          </a:prstGeom>
+        </p:spPr>
+        <p:style>
+          <a:lnRef idx="2">
+            <a:schemeClr val="accent1">
+              <a:shade val="50000"/>
+            </a:schemeClr>
+          </a:lnRef>
+          <a:fillRef idx="1">
+            <a:schemeClr val="accent1"/>
+          </a:fillRef>
+          <a:effectRef idx="0">
+            <a:schemeClr val="accent1"/>
+          </a:effectRef>
+          <a:fontRef idx="minor">
+            <a:schemeClr val="lt1"/>
+          </a:fontRef>
+        </p:style>
+        <p:txBody>
+          <a:bodyPr rtlCol="0" anchor="ctr"/>
+          <a:lstStyle/>
+          <a:p>
+            <a:pPr algn="ctr"/>
+            <a:r>
+              <a:rPr lang="en-AU" sz="1200" dirty="0"/>
+              <a:t>Ride correct bus</a:t>
+            </a:r>
+          </a:p>
+        </p:txBody>
+      </p:sp>
+      <p:sp>
+        <p:nvSpPr>
+          <p:cNvPr id="10" name="Flowchart: Decision 9">
+            <a:extLst>
+              <a:ext uri="{FF2B5EF4-FFF2-40B4-BE49-F238E27FC236}">
+                <a16:creationId xmlns:a16="http://schemas.microsoft.com/office/drawing/2014/main" id="{3E76C2FC-E6AD-439F-BF6D-9ECFCEDEDD75}"/>
+              </a:ext>
+            </a:extLst>
+          </p:cNvPr>
+          <p:cNvSpPr/>
+          <p:nvPr/>
+        </p:nvSpPr>
+        <p:spPr>
+          <a:xfrm>
+            <a:off x="2385055" y="1705388"/>
+            <a:ext cx="2448232" cy="993572"/>
+          </a:xfrm>
+          <a:prstGeom prst="flowChartDecision">
+            <a:avLst/>
+          </a:prstGeom>
+        </p:spPr>
+        <p:style>
+          <a:lnRef idx="2">
+            <a:schemeClr val="accent1">
+              <a:shade val="50000"/>
+            </a:schemeClr>
+          </a:lnRef>
+          <a:fillRef idx="1">
+            <a:schemeClr val="accent1"/>
+          </a:fillRef>
+          <a:effectRef idx="0">
+            <a:schemeClr val="accent1"/>
+          </a:effectRef>
+          <a:fontRef idx="minor">
+            <a:schemeClr val="lt1"/>
+          </a:fontRef>
+        </p:style>
+        <p:txBody>
+          <a:bodyPr rtlCol="0" anchor="ctr"/>
+          <a:lstStyle/>
+          <a:p>
+            <a:pPr algn="ctr"/>
+            <a:r>
+              <a:rPr lang="en-AU" sz="1200" dirty="0"/>
+              <a:t>Check if &gt; </a:t>
+            </a:r>
+            <a:r>
+              <a:rPr lang="en-AU" sz="1200" dirty="0" err="1"/>
+              <a:t>AnticipatedTime</a:t>
+            </a:r>
+            <a:r>
+              <a:rPr lang="en-AU" sz="1200" dirty="0"/>
+              <a:t> and &lt; Scheduled Time</a:t>
+            </a:r>
+          </a:p>
+        </p:txBody>
+      </p:sp>
+      <p:sp>
+        <p:nvSpPr>
+          <p:cNvPr id="11" name="Flowchart: Decision 10">
+            <a:extLst>
+              <a:ext uri="{FF2B5EF4-FFF2-40B4-BE49-F238E27FC236}">
+                <a16:creationId xmlns:a16="http://schemas.microsoft.com/office/drawing/2014/main" id="{8762C4CA-07EA-4824-8B9D-15779C10147B}"/>
+              </a:ext>
+            </a:extLst>
+          </p:cNvPr>
+          <p:cNvSpPr/>
+          <p:nvPr/>
+        </p:nvSpPr>
+        <p:spPr>
+          <a:xfrm>
+            <a:off x="2194798" y="3069910"/>
+            <a:ext cx="2828741" cy="599260"/>
+          </a:xfrm>
+          <a:prstGeom prst="flowChartDecision">
+            <a:avLst/>
+          </a:prstGeom>
+        </p:spPr>
+        <p:style>
+          <a:lnRef idx="2">
+            <a:schemeClr val="accent1">
+              <a:shade val="50000"/>
+            </a:schemeClr>
+          </a:lnRef>
+          <a:fillRef idx="1">
+            <a:schemeClr val="accent1"/>
+          </a:fillRef>
+          <a:effectRef idx="0">
+            <a:schemeClr val="accent1"/>
+          </a:effectRef>
+          <a:fontRef idx="minor">
+            <a:schemeClr val="lt1"/>
+          </a:fontRef>
+        </p:style>
+        <p:txBody>
+          <a:bodyPr rtlCol="0" anchor="ctr"/>
+          <a:lstStyle/>
+          <a:p>
+            <a:pPr algn="ctr"/>
+            <a:r>
+              <a:rPr lang="en-AU" sz="1200" dirty="0"/>
+              <a:t>Check </a:t>
+            </a:r>
+            <a:r>
+              <a:rPr lang="en-AU" sz="1200" dirty="0" err="1"/>
+              <a:t>ArrivingBusNumber</a:t>
+            </a:r>
+            <a:endParaRPr lang="en-AU" sz="1200" dirty="0"/>
+          </a:p>
+        </p:txBody>
+      </p:sp>
+      <p:sp>
+        <p:nvSpPr>
+          <p:cNvPr id="12" name="Rectangle 11">
+            <a:extLst>
+              <a:ext uri="{FF2B5EF4-FFF2-40B4-BE49-F238E27FC236}">
+                <a16:creationId xmlns:a16="http://schemas.microsoft.com/office/drawing/2014/main" id="{2E88E50C-139A-43E0-89F5-E9DF435C48B9}"/>
+              </a:ext>
+            </a:extLst>
+          </p:cNvPr>
+          <p:cNvSpPr/>
+          <p:nvPr/>
+        </p:nvSpPr>
+        <p:spPr>
+          <a:xfrm>
+            <a:off x="2945493" y="4141293"/>
+            <a:ext cx="1327355" cy="280219"/>
+          </a:xfrm>
+          <a:prstGeom prst="rect">
+            <a:avLst/>
+          </a:prstGeom>
+        </p:spPr>
+        <p:style>
+          <a:lnRef idx="2">
+            <a:schemeClr val="accent1">
+              <a:shade val="50000"/>
+            </a:schemeClr>
+          </a:lnRef>
+          <a:fillRef idx="1">
+            <a:schemeClr val="accent1"/>
+          </a:fillRef>
+          <a:effectRef idx="0">
+            <a:schemeClr val="accent1"/>
+          </a:effectRef>
+          <a:fontRef idx="minor">
+            <a:schemeClr val="lt1"/>
+          </a:fontRef>
+        </p:style>
+        <p:txBody>
+          <a:bodyPr rtlCol="0" anchor="ctr"/>
+          <a:lstStyle/>
+          <a:p>
+            <a:pPr algn="ctr"/>
+            <a:r>
+              <a:rPr lang="en-AU" sz="1400" dirty="0"/>
+              <a:t>Enter bus</a:t>
+            </a:r>
+          </a:p>
+        </p:txBody>
+      </p:sp>
+      <p:sp>
+        <p:nvSpPr>
+          <p:cNvPr id="15" name="Oval 14">
+            <a:extLst>
+              <a:ext uri="{FF2B5EF4-FFF2-40B4-BE49-F238E27FC236}">
+                <a16:creationId xmlns:a16="http://schemas.microsoft.com/office/drawing/2014/main" id="{ECE0708A-7435-4417-9FAF-BB0C963555FB}"/>
+              </a:ext>
+            </a:extLst>
+          </p:cNvPr>
+          <p:cNvSpPr/>
+          <p:nvPr/>
+        </p:nvSpPr>
+        <p:spPr>
+          <a:xfrm>
+            <a:off x="94139" y="3038173"/>
+            <a:ext cx="1224116" cy="427707"/>
+          </a:xfrm>
+          <a:prstGeom prst="ellipse">
+            <a:avLst/>
+          </a:prstGeom>
+        </p:spPr>
+        <p:style>
+          <a:lnRef idx="2">
+            <a:schemeClr val="accent1">
+              <a:shade val="50000"/>
+            </a:schemeClr>
+          </a:lnRef>
+          <a:fillRef idx="1">
+            <a:schemeClr val="accent1"/>
+          </a:fillRef>
+          <a:effectRef idx="0">
+            <a:schemeClr val="accent1"/>
+          </a:effectRef>
+          <a:fontRef idx="minor">
+            <a:schemeClr val="lt1"/>
+          </a:fontRef>
+        </p:style>
+        <p:txBody>
+          <a:bodyPr rtlCol="0" anchor="ctr"/>
+          <a:lstStyle/>
+          <a:p>
+            <a:pPr algn="ctr"/>
+            <a:r>
+              <a:rPr lang="en-AU" sz="1400" dirty="0"/>
+              <a:t>END</a:t>
+            </a:r>
+          </a:p>
+        </p:txBody>
+      </p:sp>
+      <p:cxnSp>
+        <p:nvCxnSpPr>
+          <p:cNvPr id="19" name="Straight Arrow Connector 18">
+            <a:extLst>
+              <a:ext uri="{FF2B5EF4-FFF2-40B4-BE49-F238E27FC236}">
+                <a16:creationId xmlns:a16="http://schemas.microsoft.com/office/drawing/2014/main" id="{5207A3A9-3C19-4455-8ECB-CE67ACF24A15}"/>
+              </a:ext>
+            </a:extLst>
+          </p:cNvPr>
+          <p:cNvCxnSpPr>
+            <a:stCxn id="8" idx="4"/>
+            <a:endCxn id="9" idx="0"/>
+          </p:cNvCxnSpPr>
+          <p:nvPr/>
+        </p:nvCxnSpPr>
+        <p:spPr>
+          <a:xfrm flipH="1">
+            <a:off x="3609172" y="661739"/>
+            <a:ext cx="2458" cy="427704"/>
+          </a:xfrm>
+          <a:prstGeom prst="straightConnector1">
+            <a:avLst/>
+          </a:prstGeom>
+          <a:ln>
+            <a:tailEnd type="triangle"/>
+          </a:ln>
+        </p:spPr>
+        <p:style>
+          <a:lnRef idx="1">
+            <a:schemeClr val="accent1"/>
+          </a:lnRef>
+          <a:fillRef idx="0">
+            <a:schemeClr val="accent1"/>
+          </a:fillRef>
+          <a:effectRef idx="0">
+            <a:schemeClr val="accent1"/>
+          </a:effectRef>
+          <a:fontRef idx="minor">
+            <a:schemeClr val="tx1"/>
+          </a:fontRef>
+        </p:style>
+      </p:cxnSp>
+      <p:cxnSp>
+        <p:nvCxnSpPr>
+          <p:cNvPr id="22" name="Straight Arrow Connector 21">
+            <a:extLst>
+              <a:ext uri="{FF2B5EF4-FFF2-40B4-BE49-F238E27FC236}">
+                <a16:creationId xmlns:a16="http://schemas.microsoft.com/office/drawing/2014/main" id="{528CEE0E-BEB0-44E4-810F-6B2CADC744DA}"/>
+              </a:ext>
+            </a:extLst>
+          </p:cNvPr>
+          <p:cNvCxnSpPr>
+            <a:stCxn id="9" idx="2"/>
+            <a:endCxn id="10" idx="0"/>
+          </p:cNvCxnSpPr>
+          <p:nvPr/>
+        </p:nvCxnSpPr>
+        <p:spPr>
+          <a:xfrm flipH="1">
+            <a:off x="3609171" y="1369662"/>
+            <a:ext cx="1" cy="335726"/>
+          </a:xfrm>
+          <a:prstGeom prst="straightConnector1">
+            <a:avLst/>
+          </a:prstGeom>
+          <a:ln>
+            <a:tailEnd type="triangle"/>
+          </a:ln>
+        </p:spPr>
+        <p:style>
+          <a:lnRef idx="1">
+            <a:schemeClr val="accent1"/>
+          </a:lnRef>
+          <a:fillRef idx="0">
+            <a:schemeClr val="accent1"/>
+          </a:fillRef>
+          <a:effectRef idx="0">
+            <a:schemeClr val="accent1"/>
+          </a:effectRef>
+          <a:fontRef idx="minor">
+            <a:schemeClr val="tx1"/>
+          </a:fontRef>
+        </p:style>
+      </p:cxnSp>
+      <p:cxnSp>
+        <p:nvCxnSpPr>
+          <p:cNvPr id="25" name="Straight Arrow Connector 24">
+            <a:extLst>
+              <a:ext uri="{FF2B5EF4-FFF2-40B4-BE49-F238E27FC236}">
+                <a16:creationId xmlns:a16="http://schemas.microsoft.com/office/drawing/2014/main" id="{0721587E-CB02-41EF-B26F-6990C87680C7}"/>
+              </a:ext>
+            </a:extLst>
+          </p:cNvPr>
+          <p:cNvCxnSpPr>
+            <a:cxnSpLocks/>
+            <a:stCxn id="10" idx="2"/>
+            <a:endCxn id="11" idx="0"/>
+          </p:cNvCxnSpPr>
+          <p:nvPr/>
+        </p:nvCxnSpPr>
+        <p:spPr>
+          <a:xfrm flipH="1">
+            <a:off x="3609169" y="2698960"/>
+            <a:ext cx="2" cy="370950"/>
+          </a:xfrm>
+          <a:prstGeom prst="straightConnector1">
+            <a:avLst/>
+          </a:prstGeom>
+          <a:ln>
+            <a:tailEnd type="triangle"/>
+          </a:ln>
+        </p:spPr>
+        <p:style>
+          <a:lnRef idx="1">
+            <a:schemeClr val="accent1"/>
+          </a:lnRef>
+          <a:fillRef idx="0">
+            <a:schemeClr val="accent1"/>
+          </a:fillRef>
+          <a:effectRef idx="0">
+            <a:schemeClr val="accent1"/>
+          </a:effectRef>
+          <a:fontRef idx="minor">
+            <a:schemeClr val="tx1"/>
+          </a:fontRef>
+        </p:style>
+      </p:cxnSp>
+      <p:cxnSp>
+        <p:nvCxnSpPr>
+          <p:cNvPr id="28" name="Straight Arrow Connector 27">
+            <a:extLst>
+              <a:ext uri="{FF2B5EF4-FFF2-40B4-BE49-F238E27FC236}">
+                <a16:creationId xmlns:a16="http://schemas.microsoft.com/office/drawing/2014/main" id="{23AE8B32-3864-40B2-8E6D-EE439FF4279A}"/>
+              </a:ext>
+            </a:extLst>
+          </p:cNvPr>
+          <p:cNvCxnSpPr>
+            <a:cxnSpLocks/>
+            <a:stCxn id="11" idx="2"/>
+            <a:endCxn id="12" idx="0"/>
+          </p:cNvCxnSpPr>
+          <p:nvPr/>
+        </p:nvCxnSpPr>
+        <p:spPr>
+          <a:xfrm>
+            <a:off x="3609169" y="3669170"/>
+            <a:ext cx="2" cy="472123"/>
+          </a:xfrm>
+          <a:prstGeom prst="straightConnector1">
+            <a:avLst/>
+          </a:prstGeom>
+          <a:ln>
+            <a:tailEnd type="triangle"/>
+          </a:ln>
+        </p:spPr>
+        <p:style>
+          <a:lnRef idx="1">
+            <a:schemeClr val="accent1"/>
+          </a:lnRef>
+          <a:fillRef idx="0">
+            <a:schemeClr val="accent1"/>
+          </a:fillRef>
+          <a:effectRef idx="0">
+            <a:schemeClr val="accent1"/>
+          </a:effectRef>
+          <a:fontRef idx="minor">
+            <a:schemeClr val="tx1"/>
+          </a:fontRef>
+        </p:style>
+      </p:cxnSp>
+      <p:cxnSp>
+        <p:nvCxnSpPr>
+          <p:cNvPr id="31" name="Connector: Elbow 30">
+            <a:extLst>
+              <a:ext uri="{FF2B5EF4-FFF2-40B4-BE49-F238E27FC236}">
+                <a16:creationId xmlns:a16="http://schemas.microsoft.com/office/drawing/2014/main" id="{D0316D78-8AF2-408F-A218-ADA8E14367D2}"/>
+              </a:ext>
+            </a:extLst>
+          </p:cNvPr>
+          <p:cNvCxnSpPr>
+            <a:stCxn id="12" idx="1"/>
+            <a:endCxn id="15" idx="4"/>
+          </p:cNvCxnSpPr>
+          <p:nvPr/>
+        </p:nvCxnSpPr>
+        <p:spPr>
+          <a:xfrm rot="10800000">
+            <a:off x="706197" y="3465881"/>
+            <a:ext cx="2239296" cy="815523"/>
+          </a:xfrm>
+          <a:prstGeom prst="bentConnector2">
+            <a:avLst/>
+          </a:prstGeom>
+          <a:ln>
+            <a:tailEnd type="triangle"/>
+          </a:ln>
+        </p:spPr>
+        <p:style>
+          <a:lnRef idx="1">
+            <a:schemeClr val="accent1"/>
+          </a:lnRef>
+          <a:fillRef idx="0">
+            <a:schemeClr val="accent1"/>
+          </a:fillRef>
+          <a:effectRef idx="0">
+            <a:schemeClr val="accent1"/>
+          </a:effectRef>
+          <a:fontRef idx="minor">
+            <a:schemeClr val="tx1"/>
+          </a:fontRef>
+        </p:style>
+      </p:cxnSp>
+      <p:sp>
+        <p:nvSpPr>
+          <p:cNvPr id="32" name="TextBox 31">
+            <a:extLst>
+              <a:ext uri="{FF2B5EF4-FFF2-40B4-BE49-F238E27FC236}">
+                <a16:creationId xmlns:a16="http://schemas.microsoft.com/office/drawing/2014/main" id="{3F08216E-EB7C-4911-AE18-81FF06BBB2D2}"/>
+              </a:ext>
+            </a:extLst>
+          </p:cNvPr>
+          <p:cNvSpPr txBox="1"/>
+          <p:nvPr/>
+        </p:nvSpPr>
+        <p:spPr>
+          <a:xfrm>
+            <a:off x="3406230" y="3768161"/>
+            <a:ext cx="405880" cy="307777"/>
+          </a:xfrm>
+          <a:prstGeom prst="rect">
+            <a:avLst/>
+          </a:prstGeom>
+          <a:noFill/>
+        </p:spPr>
+        <p:txBody>
+          <a:bodyPr wrap="none" rtlCol="0">
+            <a:spAutoFit/>
+          </a:bodyPr>
+          <a:lstStyle/>
+          <a:p>
+            <a:r>
+              <a:rPr lang="en-AU" sz="1400" dirty="0"/>
+              <a:t>&lt; 4</a:t>
+            </a:r>
+          </a:p>
+        </p:txBody>
+      </p:sp>
+      <p:sp>
+        <p:nvSpPr>
+          <p:cNvPr id="33" name="TextBox 32">
+            <a:extLst>
+              <a:ext uri="{FF2B5EF4-FFF2-40B4-BE49-F238E27FC236}">
+                <a16:creationId xmlns:a16="http://schemas.microsoft.com/office/drawing/2014/main" id="{4461AE09-56A4-4C8C-A22D-96642B23143B}"/>
+              </a:ext>
+            </a:extLst>
+          </p:cNvPr>
+          <p:cNvSpPr txBox="1"/>
+          <p:nvPr/>
+        </p:nvSpPr>
+        <p:spPr>
+          <a:xfrm>
+            <a:off x="1514197" y="3215651"/>
+            <a:ext cx="405880" cy="307777"/>
+          </a:xfrm>
+          <a:prstGeom prst="rect">
+            <a:avLst/>
+          </a:prstGeom>
+          <a:noFill/>
+        </p:spPr>
+        <p:txBody>
+          <a:bodyPr wrap="none" rtlCol="0">
+            <a:spAutoFit/>
+          </a:bodyPr>
+          <a:lstStyle/>
+          <a:p>
+            <a:r>
+              <a:rPr lang="en-AU" sz="1400" dirty="0"/>
+              <a:t>&gt; 4</a:t>
+            </a:r>
+          </a:p>
+        </p:txBody>
+      </p:sp>
+      <p:cxnSp>
+        <p:nvCxnSpPr>
+          <p:cNvPr id="37" name="Connector: Elbow 36">
+            <a:extLst>
+              <a:ext uri="{FF2B5EF4-FFF2-40B4-BE49-F238E27FC236}">
+                <a16:creationId xmlns:a16="http://schemas.microsoft.com/office/drawing/2014/main" id="{292E6FD3-A3E8-4AF3-9410-E2494C52FBCB}"/>
+              </a:ext>
+            </a:extLst>
+          </p:cNvPr>
+          <p:cNvCxnSpPr>
+            <a:cxnSpLocks/>
+            <a:stCxn id="11" idx="1"/>
+          </p:cNvCxnSpPr>
+          <p:nvPr/>
+        </p:nvCxnSpPr>
+        <p:spPr>
+          <a:xfrm rot="10800000" flipH="1">
+            <a:off x="2194798" y="1963534"/>
+            <a:ext cx="815670" cy="1406007"/>
+          </a:xfrm>
+          <a:prstGeom prst="bentConnector4">
+            <a:avLst>
+              <a:gd name="adj1" fmla="val -76846"/>
+              <a:gd name="adj2" fmla="val 121494"/>
+            </a:avLst>
+          </a:prstGeom>
+          <a:ln>
+            <a:tailEnd type="triangle"/>
+          </a:ln>
+        </p:spPr>
+        <p:style>
+          <a:lnRef idx="1">
+            <a:schemeClr val="accent1"/>
+          </a:lnRef>
+          <a:fillRef idx="0">
+            <a:schemeClr val="accent1"/>
+          </a:fillRef>
+          <a:effectRef idx="0">
+            <a:schemeClr val="accent1"/>
+          </a:effectRef>
+          <a:fontRef idx="minor">
+            <a:schemeClr val="tx1"/>
+          </a:fontRef>
+        </p:style>
+      </p:cxnSp>
+      <p:cxnSp>
+        <p:nvCxnSpPr>
+          <p:cNvPr id="47" name="Connector: Elbow 46">
+            <a:extLst>
+              <a:ext uri="{FF2B5EF4-FFF2-40B4-BE49-F238E27FC236}">
+                <a16:creationId xmlns:a16="http://schemas.microsoft.com/office/drawing/2014/main" id="{1491E961-68F3-4DA4-B0D7-796A22D32C5A}"/>
+              </a:ext>
+            </a:extLst>
+          </p:cNvPr>
+          <p:cNvCxnSpPr>
+            <a:stCxn id="10" idx="1"/>
+            <a:endCxn id="15" idx="0"/>
+          </p:cNvCxnSpPr>
+          <p:nvPr/>
+        </p:nvCxnSpPr>
+        <p:spPr>
+          <a:xfrm rot="10800000" flipV="1">
+            <a:off x="706197" y="2202173"/>
+            <a:ext cx="1678858" cy="835999"/>
+          </a:xfrm>
+          <a:prstGeom prst="bentConnector2">
+            <a:avLst/>
+          </a:prstGeom>
+          <a:ln>
+            <a:tailEnd type="triangle"/>
+          </a:ln>
+        </p:spPr>
+        <p:style>
+          <a:lnRef idx="1">
+            <a:schemeClr val="accent1"/>
+          </a:lnRef>
+          <a:fillRef idx="0">
+            <a:schemeClr val="accent1"/>
+          </a:fillRef>
+          <a:effectRef idx="0">
+            <a:schemeClr val="accent1"/>
+          </a:effectRef>
+          <a:fontRef idx="minor">
+            <a:schemeClr val="tx1"/>
+          </a:fontRef>
+        </p:style>
+      </p:cxnSp>
+      <p:sp>
+        <p:nvSpPr>
+          <p:cNvPr id="54" name="TextBox 53">
+            <a:extLst>
+              <a:ext uri="{FF2B5EF4-FFF2-40B4-BE49-F238E27FC236}">
+                <a16:creationId xmlns:a16="http://schemas.microsoft.com/office/drawing/2014/main" id="{96732CF9-C3F7-400C-B022-E73FA7B186F2}"/>
+              </a:ext>
+            </a:extLst>
+          </p:cNvPr>
+          <p:cNvSpPr txBox="1"/>
+          <p:nvPr/>
+        </p:nvSpPr>
+        <p:spPr>
+          <a:xfrm>
+            <a:off x="3365119" y="2697299"/>
+            <a:ext cx="508537" cy="307777"/>
+          </a:xfrm>
+          <a:prstGeom prst="rect">
+            <a:avLst/>
+          </a:prstGeom>
+          <a:noFill/>
+        </p:spPr>
+        <p:txBody>
+          <a:bodyPr wrap="none" rtlCol="0">
+            <a:spAutoFit/>
+          </a:bodyPr>
+          <a:lstStyle/>
+          <a:p>
+            <a:r>
+              <a:rPr lang="en-AU" sz="1400" dirty="0"/>
+              <a:t>True</a:t>
+            </a:r>
+          </a:p>
+        </p:txBody>
+      </p:sp>
+      <p:sp>
+        <p:nvSpPr>
+          <p:cNvPr id="55" name="TextBox 54">
+            <a:extLst>
+              <a:ext uri="{FF2B5EF4-FFF2-40B4-BE49-F238E27FC236}">
+                <a16:creationId xmlns:a16="http://schemas.microsoft.com/office/drawing/2014/main" id="{0ECEEA3E-C7D8-4EF0-90F3-BAA22D8BFE33}"/>
+              </a:ext>
+            </a:extLst>
+          </p:cNvPr>
+          <p:cNvSpPr txBox="1"/>
+          <p:nvPr/>
+        </p:nvSpPr>
+        <p:spPr>
+          <a:xfrm>
+            <a:off x="1752192" y="2048284"/>
+            <a:ext cx="550151" cy="307777"/>
+          </a:xfrm>
+          <a:prstGeom prst="rect">
+            <a:avLst/>
+          </a:prstGeom>
+          <a:noFill/>
+        </p:spPr>
+        <p:txBody>
+          <a:bodyPr wrap="none" rtlCol="0">
+            <a:spAutoFit/>
+          </a:bodyPr>
+          <a:lstStyle/>
+          <a:p>
+            <a:r>
+              <a:rPr lang="en-AU" sz="1400" dirty="0"/>
+              <a:t>False</a:t>
+            </a:r>
+          </a:p>
+        </p:txBody>
+      </p:sp>
+      <p:sp>
+        <p:nvSpPr>
+          <p:cNvPr id="63" name="Flowchart: Data 62">
+            <a:extLst>
+              <a:ext uri="{FF2B5EF4-FFF2-40B4-BE49-F238E27FC236}">
+                <a16:creationId xmlns:a16="http://schemas.microsoft.com/office/drawing/2014/main" id="{3B344FF5-D157-4CE3-9FDD-18946A059158}"/>
+              </a:ext>
+            </a:extLst>
+          </p:cNvPr>
+          <p:cNvSpPr/>
+          <p:nvPr/>
+        </p:nvSpPr>
+        <p:spPr>
+          <a:xfrm>
+            <a:off x="5452720" y="1095082"/>
+            <a:ext cx="2389238" cy="309716"/>
+          </a:xfrm>
+          <a:prstGeom prst="flowChartInputOutput">
+            <a:avLst/>
+          </a:prstGeom>
+        </p:spPr>
+        <p:style>
+          <a:lnRef idx="2">
+            <a:schemeClr val="accent2"/>
+          </a:lnRef>
+          <a:fillRef idx="1">
+            <a:schemeClr val="lt1"/>
+          </a:fillRef>
+          <a:effectRef idx="0">
+            <a:schemeClr val="accent2"/>
+          </a:effectRef>
+          <a:fontRef idx="minor">
+            <a:schemeClr val="dk1"/>
+          </a:fontRef>
+        </p:style>
+        <p:txBody>
+          <a:bodyPr rtlCol="0" anchor="ctr"/>
+          <a:lstStyle/>
+          <a:p>
+            <a:pPr algn="ctr"/>
+            <a:r>
+              <a:rPr lang="en-AU" sz="1200" dirty="0"/>
+              <a:t>Str: Message</a:t>
+            </a:r>
+          </a:p>
+        </p:txBody>
+      </p:sp>
+      <p:sp>
+        <p:nvSpPr>
+          <p:cNvPr id="64" name="Flowchart: Data 63">
+            <a:extLst>
+              <a:ext uri="{FF2B5EF4-FFF2-40B4-BE49-F238E27FC236}">
+                <a16:creationId xmlns:a16="http://schemas.microsoft.com/office/drawing/2014/main" id="{776FFCCB-5F7F-4C55-AC4D-4F4D195885D0}"/>
+              </a:ext>
+            </a:extLst>
+          </p:cNvPr>
+          <p:cNvSpPr/>
+          <p:nvPr/>
+        </p:nvSpPr>
+        <p:spPr>
+          <a:xfrm>
+            <a:off x="5293930" y="1653817"/>
+            <a:ext cx="2389238" cy="309716"/>
+          </a:xfrm>
+          <a:prstGeom prst="flowChartInputOutput">
+            <a:avLst/>
+          </a:prstGeom>
+        </p:spPr>
+        <p:style>
+          <a:lnRef idx="2">
+            <a:schemeClr val="accent2"/>
+          </a:lnRef>
+          <a:fillRef idx="1">
+            <a:schemeClr val="lt1"/>
+          </a:fillRef>
+          <a:effectRef idx="0">
+            <a:schemeClr val="accent2"/>
+          </a:effectRef>
+          <a:fontRef idx="minor">
+            <a:schemeClr val="dk1"/>
+          </a:fontRef>
+        </p:style>
+        <p:txBody>
+          <a:bodyPr rtlCol="0" anchor="ctr"/>
+          <a:lstStyle/>
+          <a:p>
+            <a:pPr algn="ctr"/>
+            <a:r>
+              <a:rPr lang="en-AU" sz="1200" dirty="0"/>
+              <a:t>DT: </a:t>
+            </a:r>
+            <a:r>
+              <a:rPr lang="en-AU" sz="1200" dirty="0" err="1"/>
+              <a:t>AnticipatedTime</a:t>
+            </a:r>
+            <a:endParaRPr lang="en-AU" sz="1200" dirty="0"/>
+          </a:p>
+        </p:txBody>
+      </p:sp>
+      <p:sp>
+        <p:nvSpPr>
+          <p:cNvPr id="65" name="Flowchart: Data 64">
+            <a:extLst>
+              <a:ext uri="{FF2B5EF4-FFF2-40B4-BE49-F238E27FC236}">
+                <a16:creationId xmlns:a16="http://schemas.microsoft.com/office/drawing/2014/main" id="{DE495BBD-D7B0-41C4-A291-ABE5392DDC0C}"/>
+              </a:ext>
+            </a:extLst>
+          </p:cNvPr>
+          <p:cNvSpPr/>
+          <p:nvPr/>
+        </p:nvSpPr>
+        <p:spPr>
+          <a:xfrm>
+            <a:off x="5293929" y="2258280"/>
+            <a:ext cx="2389238" cy="309716"/>
+          </a:xfrm>
+          <a:prstGeom prst="flowChartInputOutput">
+            <a:avLst/>
+          </a:prstGeom>
+        </p:spPr>
+        <p:style>
+          <a:lnRef idx="2">
+            <a:schemeClr val="accent2"/>
+          </a:lnRef>
+          <a:fillRef idx="1">
+            <a:schemeClr val="lt1"/>
+          </a:fillRef>
+          <a:effectRef idx="0">
+            <a:schemeClr val="accent2"/>
+          </a:effectRef>
+          <a:fontRef idx="minor">
+            <a:schemeClr val="dk1"/>
+          </a:fontRef>
+        </p:style>
+        <p:txBody>
+          <a:bodyPr rtlCol="0" anchor="ctr"/>
+          <a:lstStyle/>
+          <a:p>
+            <a:pPr algn="ctr"/>
+            <a:r>
+              <a:rPr lang="en-AU" sz="1200" dirty="0"/>
+              <a:t>DT: </a:t>
+            </a:r>
+            <a:r>
+              <a:rPr lang="en-AU" sz="1200" dirty="0" err="1"/>
+              <a:t>ScheduledTime</a:t>
+            </a:r>
+            <a:endParaRPr lang="en-AU" sz="1200" dirty="0"/>
+          </a:p>
+        </p:txBody>
+      </p:sp>
+      <p:sp>
+        <p:nvSpPr>
+          <p:cNvPr id="66" name="Flowchart: Data 65">
+            <a:extLst>
+              <a:ext uri="{FF2B5EF4-FFF2-40B4-BE49-F238E27FC236}">
+                <a16:creationId xmlns:a16="http://schemas.microsoft.com/office/drawing/2014/main" id="{56E547BC-12C9-4A70-A0EC-AAF063700746}"/>
+              </a:ext>
+            </a:extLst>
+          </p:cNvPr>
+          <p:cNvSpPr/>
+          <p:nvPr/>
+        </p:nvSpPr>
+        <p:spPr>
+          <a:xfrm>
+            <a:off x="5374063" y="3177315"/>
+            <a:ext cx="2389238" cy="309716"/>
+          </a:xfrm>
+          <a:prstGeom prst="flowChartInputOutput">
+            <a:avLst/>
+          </a:prstGeom>
+        </p:spPr>
+        <p:style>
+          <a:lnRef idx="2">
+            <a:schemeClr val="accent2"/>
+          </a:lnRef>
+          <a:fillRef idx="1">
+            <a:schemeClr val="lt1"/>
+          </a:fillRef>
+          <a:effectRef idx="0">
+            <a:schemeClr val="accent2"/>
+          </a:effectRef>
+          <a:fontRef idx="minor">
+            <a:schemeClr val="dk1"/>
+          </a:fontRef>
+        </p:style>
+        <p:txBody>
+          <a:bodyPr rtlCol="0" anchor="ctr"/>
+          <a:lstStyle/>
+          <a:p>
+            <a:pPr algn="ctr"/>
+            <a:r>
+              <a:rPr lang="en-AU" sz="1200" dirty="0"/>
+              <a:t>Number: </a:t>
+            </a:r>
+            <a:r>
+              <a:rPr lang="en-AU" sz="1200" dirty="0" err="1"/>
+              <a:t>BusNumber</a:t>
+            </a:r>
+            <a:endParaRPr lang="en-AU" sz="1200" dirty="0"/>
+          </a:p>
+        </p:txBody>
+      </p:sp>
+      <p:cxnSp>
+        <p:nvCxnSpPr>
+          <p:cNvPr id="68" name="Straight Arrow Connector 67">
+            <a:extLst>
+              <a:ext uri="{FF2B5EF4-FFF2-40B4-BE49-F238E27FC236}">
+                <a16:creationId xmlns:a16="http://schemas.microsoft.com/office/drawing/2014/main" id="{002F3648-CE64-4369-8A53-D4272A2B93D9}"/>
+              </a:ext>
+            </a:extLst>
+          </p:cNvPr>
+          <p:cNvCxnSpPr>
+            <a:cxnSpLocks/>
+            <a:stCxn id="9" idx="3"/>
+            <a:endCxn id="63" idx="2"/>
+          </p:cNvCxnSpPr>
+          <p:nvPr/>
+        </p:nvCxnSpPr>
+        <p:spPr>
+          <a:xfrm>
+            <a:off x="4272849" y="1229553"/>
+            <a:ext cx="1418795" cy="20387"/>
+          </a:xfrm>
+          <a:prstGeom prst="straightConnector1">
+            <a:avLst/>
+          </a:prstGeom>
+          <a:ln>
+            <a:tailEnd type="triangle"/>
+          </a:ln>
+        </p:spPr>
+        <p:style>
+          <a:lnRef idx="1">
+            <a:schemeClr val="accent2"/>
+          </a:lnRef>
+          <a:fillRef idx="0">
+            <a:schemeClr val="accent2"/>
+          </a:fillRef>
+          <a:effectRef idx="0">
+            <a:schemeClr val="accent2"/>
+          </a:effectRef>
+          <a:fontRef idx="minor">
+            <a:schemeClr val="tx1"/>
+          </a:fontRef>
+        </p:style>
+      </p:cxnSp>
+      <p:cxnSp>
+        <p:nvCxnSpPr>
+          <p:cNvPr id="70" name="Connector: Elbow 69">
+            <a:extLst>
+              <a:ext uri="{FF2B5EF4-FFF2-40B4-BE49-F238E27FC236}">
+                <a16:creationId xmlns:a16="http://schemas.microsoft.com/office/drawing/2014/main" id="{1BC85D86-6188-4946-9FE8-36D0F270CE99}"/>
+              </a:ext>
+            </a:extLst>
+          </p:cNvPr>
+          <p:cNvCxnSpPr>
+            <a:cxnSpLocks/>
+            <a:stCxn id="63" idx="5"/>
+            <a:endCxn id="12" idx="3"/>
+          </p:cNvCxnSpPr>
+          <p:nvPr/>
+        </p:nvCxnSpPr>
+        <p:spPr>
+          <a:xfrm flipH="1">
+            <a:off x="4272848" y="1249940"/>
+            <a:ext cx="3330186" cy="3031463"/>
+          </a:xfrm>
+          <a:prstGeom prst="bentConnector3">
+            <a:avLst>
+              <a:gd name="adj1" fmla="val -7396"/>
+            </a:avLst>
+          </a:prstGeom>
+          <a:ln>
+            <a:tailEnd type="triangle"/>
+          </a:ln>
+        </p:spPr>
+        <p:style>
+          <a:lnRef idx="1">
+            <a:schemeClr val="accent2"/>
+          </a:lnRef>
+          <a:fillRef idx="0">
+            <a:schemeClr val="accent2"/>
+          </a:fillRef>
+          <a:effectRef idx="0">
+            <a:schemeClr val="accent2"/>
+          </a:effectRef>
+          <a:fontRef idx="minor">
+            <a:schemeClr val="tx1"/>
+          </a:fontRef>
+        </p:style>
+      </p:cxnSp>
+      <p:cxnSp>
+        <p:nvCxnSpPr>
+          <p:cNvPr id="74" name="Connector: Elbow 73">
+            <a:extLst>
+              <a:ext uri="{FF2B5EF4-FFF2-40B4-BE49-F238E27FC236}">
+                <a16:creationId xmlns:a16="http://schemas.microsoft.com/office/drawing/2014/main" id="{B9A9BA41-5DCE-48F9-9321-265EDFABEE75}"/>
+              </a:ext>
+            </a:extLst>
+          </p:cNvPr>
+          <p:cNvCxnSpPr>
+            <a:cxnSpLocks/>
+            <a:stCxn id="65" idx="2"/>
+            <a:endCxn id="10" idx="3"/>
+          </p:cNvCxnSpPr>
+          <p:nvPr/>
+        </p:nvCxnSpPr>
+        <p:spPr>
+          <a:xfrm rot="10800000">
+            <a:off x="4833287" y="2202174"/>
+            <a:ext cx="699566" cy="210964"/>
+          </a:xfrm>
+          <a:prstGeom prst="bentConnector3">
+            <a:avLst>
+              <a:gd name="adj1" fmla="val 50000"/>
+            </a:avLst>
+          </a:prstGeom>
+          <a:ln>
+            <a:tailEnd type="triangle"/>
+          </a:ln>
+        </p:spPr>
+        <p:style>
+          <a:lnRef idx="1">
+            <a:schemeClr val="accent2"/>
+          </a:lnRef>
+          <a:fillRef idx="0">
+            <a:schemeClr val="accent2"/>
+          </a:fillRef>
+          <a:effectRef idx="0">
+            <a:schemeClr val="accent2"/>
+          </a:effectRef>
+          <a:fontRef idx="minor">
+            <a:schemeClr val="tx1"/>
+          </a:fontRef>
+        </p:style>
+      </p:cxnSp>
+      <p:cxnSp>
+        <p:nvCxnSpPr>
+          <p:cNvPr id="79" name="Connector: Elbow 78">
+            <a:extLst>
+              <a:ext uri="{FF2B5EF4-FFF2-40B4-BE49-F238E27FC236}">
+                <a16:creationId xmlns:a16="http://schemas.microsoft.com/office/drawing/2014/main" id="{D287B61A-8E1F-42DD-BD2A-1B66EBA9D0FD}"/>
+              </a:ext>
+            </a:extLst>
+          </p:cNvPr>
+          <p:cNvCxnSpPr>
+            <a:cxnSpLocks/>
+            <a:stCxn id="64" idx="2"/>
+            <a:endCxn id="10" idx="3"/>
+          </p:cNvCxnSpPr>
+          <p:nvPr/>
+        </p:nvCxnSpPr>
+        <p:spPr>
+          <a:xfrm rot="10800000" flipV="1">
+            <a:off x="4833288" y="1808674"/>
+            <a:ext cx="699567" cy="393499"/>
+          </a:xfrm>
+          <a:prstGeom prst="bentConnector3">
+            <a:avLst>
+              <a:gd name="adj1" fmla="val 50000"/>
+            </a:avLst>
+          </a:prstGeom>
+          <a:ln>
+            <a:tailEnd type="triangle"/>
+          </a:ln>
+        </p:spPr>
+        <p:style>
+          <a:lnRef idx="1">
+            <a:schemeClr val="accent2"/>
+          </a:lnRef>
+          <a:fillRef idx="0">
+            <a:schemeClr val="accent2"/>
+          </a:fillRef>
+          <a:effectRef idx="0">
+            <a:schemeClr val="accent2"/>
+          </a:effectRef>
+          <a:fontRef idx="minor">
+            <a:schemeClr val="tx1"/>
+          </a:fontRef>
+        </p:style>
+      </p:cxnSp>
+      <p:cxnSp>
+        <p:nvCxnSpPr>
+          <p:cNvPr id="81" name="Straight Arrow Connector 80">
+            <a:extLst>
+              <a:ext uri="{FF2B5EF4-FFF2-40B4-BE49-F238E27FC236}">
+                <a16:creationId xmlns:a16="http://schemas.microsoft.com/office/drawing/2014/main" id="{FC40E1E3-FEAC-4BCA-8774-840E9492E799}"/>
+              </a:ext>
+            </a:extLst>
+          </p:cNvPr>
+          <p:cNvCxnSpPr>
+            <a:cxnSpLocks/>
+            <a:stCxn id="66" idx="2"/>
+            <a:endCxn id="11" idx="3"/>
+          </p:cNvCxnSpPr>
+          <p:nvPr/>
+        </p:nvCxnSpPr>
+        <p:spPr>
+          <a:xfrm flipH="1">
+            <a:off x="5023539" y="3332173"/>
+            <a:ext cx="589448" cy="37367"/>
+          </a:xfrm>
+          <a:prstGeom prst="straightConnector1">
+            <a:avLst/>
+          </a:prstGeom>
+          <a:ln>
+            <a:tailEnd type="triangle"/>
+          </a:ln>
+        </p:spPr>
+        <p:style>
+          <a:lnRef idx="1">
+            <a:schemeClr val="accent2"/>
+          </a:lnRef>
+          <a:fillRef idx="0">
+            <a:schemeClr val="accent2"/>
+          </a:fillRef>
+          <a:effectRef idx="0">
+            <a:schemeClr val="accent2"/>
+          </a:effectRef>
+          <a:fontRef idx="minor">
+            <a:schemeClr val="tx1"/>
+          </a:fontRef>
+        </p:style>
+      </p:cxnSp>
+      <p:sp>
+        <p:nvSpPr>
+          <p:cNvPr id="104" name="TextBox 103">
+            <a:extLst>
+              <a:ext uri="{FF2B5EF4-FFF2-40B4-BE49-F238E27FC236}">
+                <a16:creationId xmlns:a16="http://schemas.microsoft.com/office/drawing/2014/main" id="{5C4B48A2-8D61-402F-85A2-13F027B8146C}"/>
+              </a:ext>
+            </a:extLst>
+          </p:cNvPr>
+          <p:cNvSpPr txBox="1"/>
+          <p:nvPr/>
+        </p:nvSpPr>
+        <p:spPr>
+          <a:xfrm>
+            <a:off x="8121439" y="1249940"/>
+            <a:ext cx="3733723" cy="4401205"/>
+          </a:xfrm>
+          <a:prstGeom prst="rect">
+            <a:avLst/>
+          </a:prstGeom>
+          <a:noFill/>
+        </p:spPr>
+        <p:txBody>
+          <a:bodyPr wrap="square" rtlCol="0">
+            <a:spAutoFit/>
+          </a:bodyPr>
+          <a:lstStyle/>
+          <a:p>
+            <a:r>
+              <a:rPr lang="en-AU" sz="1400" dirty="0"/>
+              <a:t>CREATE Variables [String: Message, </a:t>
+            </a:r>
+            <a:r>
+              <a:rPr lang="en-AU" sz="1400" dirty="0" err="1"/>
+              <a:t>DateTime</a:t>
+            </a:r>
+            <a:r>
+              <a:rPr lang="en-AU" sz="1400" dirty="0"/>
+              <a:t>: </a:t>
+            </a:r>
+            <a:r>
+              <a:rPr lang="en-AU" sz="1400" dirty="0" err="1"/>
+              <a:t>AntcipatedTime</a:t>
+            </a:r>
+            <a:r>
+              <a:rPr lang="en-AU" sz="1400" dirty="0"/>
+              <a:t>, </a:t>
+            </a:r>
+            <a:r>
+              <a:rPr lang="en-AU" sz="1400" dirty="0" err="1"/>
+              <a:t>DateTime</a:t>
+            </a:r>
+            <a:r>
+              <a:rPr lang="en-AU" sz="1400" dirty="0"/>
+              <a:t>: </a:t>
+            </a:r>
+            <a:r>
+              <a:rPr lang="en-AU" sz="1400" dirty="0" err="1"/>
+              <a:t>ScheduledTime</a:t>
+            </a:r>
+            <a:r>
+              <a:rPr lang="en-AU" sz="1400" dirty="0"/>
+              <a:t>, Num: </a:t>
+            </a:r>
+            <a:r>
+              <a:rPr lang="en-AU" sz="1400" dirty="0" err="1"/>
+              <a:t>ArrivingBusNumber</a:t>
+            </a:r>
+            <a:r>
+              <a:rPr lang="en-AU" sz="1400" dirty="0"/>
+              <a:t>)</a:t>
+            </a:r>
+          </a:p>
+          <a:p>
+            <a:endParaRPr lang="en-AU" sz="1400" dirty="0"/>
+          </a:p>
+          <a:p>
+            <a:r>
+              <a:rPr lang="en-AU" sz="1400" dirty="0"/>
+              <a:t>Message = “Catch correct bus”</a:t>
+            </a:r>
+          </a:p>
+          <a:p>
+            <a:r>
+              <a:rPr lang="en-AU" sz="1400" dirty="0" err="1"/>
+              <a:t>AntcipatedTime</a:t>
+            </a:r>
+            <a:r>
+              <a:rPr lang="en-AU" sz="1400" dirty="0"/>
+              <a:t> = “9am”</a:t>
+            </a:r>
+          </a:p>
+          <a:p>
+            <a:r>
+              <a:rPr lang="en-AU" sz="1400" dirty="0"/>
+              <a:t>Afternoon = “9:15am”</a:t>
+            </a:r>
+          </a:p>
+          <a:p>
+            <a:r>
+              <a:rPr lang="en-AU" sz="1400" dirty="0" err="1"/>
+              <a:t>ArrivingBusNumber</a:t>
+            </a:r>
+            <a:r>
+              <a:rPr lang="en-AU" sz="1400" dirty="0"/>
+              <a:t> = [Bus]</a:t>
+            </a:r>
+          </a:p>
+          <a:p>
+            <a:r>
+              <a:rPr lang="en-AU" sz="1400" dirty="0" err="1"/>
+              <a:t>CurrentTime</a:t>
+            </a:r>
+            <a:r>
+              <a:rPr lang="en-AU" sz="1400" dirty="0"/>
+              <a:t> = [Clock]</a:t>
+            </a:r>
+          </a:p>
+          <a:p>
+            <a:endParaRPr lang="en-AU" sz="1400" dirty="0"/>
+          </a:p>
+          <a:p>
+            <a:r>
+              <a:rPr lang="en-AU" sz="1400" dirty="0"/>
+              <a:t>DO WHILE </a:t>
+            </a:r>
+            <a:r>
+              <a:rPr lang="en-AU" sz="1400" dirty="0" err="1"/>
+              <a:t>CurrentTime</a:t>
+            </a:r>
+            <a:r>
+              <a:rPr lang="en-AU" sz="1400" dirty="0"/>
+              <a:t> is &gt; </a:t>
+            </a:r>
+            <a:r>
+              <a:rPr lang="en-AU" sz="1400" dirty="0" err="1"/>
+              <a:t>AnticipatedTime</a:t>
+            </a:r>
+            <a:r>
+              <a:rPr lang="en-AU" sz="1400" dirty="0"/>
+              <a:t> and &lt; Scheduled Time THEN</a:t>
+            </a:r>
+          </a:p>
+          <a:p>
+            <a:r>
+              <a:rPr lang="en-AU" sz="1400" dirty="0"/>
+              <a:t>	IF </a:t>
+            </a:r>
+            <a:r>
+              <a:rPr lang="en-AU" sz="1400" dirty="0" err="1"/>
+              <a:t>ArrivingBusNumber</a:t>
+            </a:r>
+            <a:r>
+              <a:rPr lang="en-AU" sz="1400" dirty="0"/>
+              <a:t> &lt; 4 THEN</a:t>
+            </a:r>
+          </a:p>
+          <a:p>
+            <a:r>
+              <a:rPr lang="en-AU" sz="1400" dirty="0"/>
+              <a:t>		SEND (“Enter bus”)</a:t>
+            </a:r>
+          </a:p>
+          <a:p>
+            <a:r>
+              <a:rPr lang="en-AU" sz="1400" dirty="0"/>
+              <a:t>		EXIT LOOP</a:t>
+            </a:r>
+          </a:p>
+          <a:p>
+            <a:r>
+              <a:rPr lang="en-AU" sz="1400" dirty="0"/>
+              <a:t>	END IF</a:t>
+            </a:r>
+          </a:p>
+          <a:p>
+            <a:r>
+              <a:rPr lang="en-AU" sz="1400" dirty="0"/>
+              <a:t>LOOP</a:t>
+            </a:r>
+          </a:p>
+          <a:p>
+            <a:endParaRPr lang="en-AU" sz="1400" dirty="0"/>
+          </a:p>
+          <a:p>
+            <a:r>
+              <a:rPr lang="en-AU" sz="1400" dirty="0"/>
+              <a:t>END PROGRAM</a:t>
+            </a:r>
+          </a:p>
+          <a:p>
+            <a:endParaRPr lang="en-AU" sz="1400" dirty="0"/>
+          </a:p>
+        </p:txBody>
+      </p:sp>
+    </p:spTree>
+    <p:extLst>
+      <p:ext uri="{BB962C8B-B14F-4D97-AF65-F5344CB8AC3E}">
+        <p14:creationId xmlns:p14="http://schemas.microsoft.com/office/powerpoint/2010/main" val="3540162038"/>
+      </p:ext>
+    </p:extLst>
+  </p:cSld>
+  <p:clrMapOvr>
+    <a:masterClrMapping/>
+  </p:clrMapOvr>
+</p:sld>
+</file>
+
+<file path=ppt/slides/slide2.xml><?xml version="1.0" encoding="utf-8"?>
+<p:sld xmlns:a="http://schemas.openxmlformats.org/drawingml/2006/main" xmlns:r="http://schemas.openxmlformats.org/officeDocument/2006/relationships" xmlns:p="http://schemas.openxmlformats.org/presentationml/2006/main">
+  <p:cSld>
+    <p:spTree>
+      <p:nvGrpSpPr>
+        <p:cNvPr id="1" name=""/>
+        <p:cNvGrpSpPr/>
+        <p:nvPr/>
+      </p:nvGrpSpPr>
+      <p:grpSpPr>
+        <a:xfrm>
+          <a:off x="0" y="0"/>
+          <a:ext cx="0" cy="0"/>
+          <a:chOff x="0" y="0"/>
+          <a:chExt cx="0" cy="0"/>
+        </a:xfrm>
+      </p:grpSpPr>
+      <p:sp>
+        <p:nvSpPr>
           <p:cNvPr id="2" name="Flowchart: Data 1">
             <a:extLst>
               <a:ext uri="{FF2B5EF4-FFF2-40B4-BE49-F238E27FC236}">
@@ -4447,7 +5843,7 @@
             </a:r>
             <a:r>
               <a:rPr lang="en-AU" sz="1400" dirty="0" err="1"/>
-              <a:t>BusSchedule</a:t>
+              <a:t>HoursTillClassStarts</a:t>
             </a:r>
             <a:endParaRPr lang="en-AU" sz="1400" dirty="0"/>
           </a:p>
@@ -4852,8 +6248,8 @@
         </p:nvSpPr>
         <p:spPr>
           <a:xfrm>
-            <a:off x="8212467" y="897710"/>
-            <a:ext cx="3733723" cy="4832092"/>
+            <a:off x="8212467" y="151179"/>
+            <a:ext cx="3733723" cy="4401205"/>
           </a:xfrm>
           <a:prstGeom prst="rect">
             <a:avLst/>
@@ -4919,25 +6315,12 @@
           <a:p>
             <a:r>
               <a:rPr lang="en-AU" sz="1400" dirty="0" err="1"/>
-              <a:t>BusSchedule</a:t>
+              <a:t>HoursTillClassStarts</a:t>
             </a:r>
             <a:r>
               <a:rPr lang="en-AU" sz="1400" dirty="0"/>
-              <a:t> </a:t>
-            </a:r>
-            <a:r>
-              <a:rPr lang="en-AU" sz="1400"/>
-              <a:t>= [“hours </a:t>
-            </a:r>
-            <a:r>
-              <a:rPr lang="en-AU" sz="1400" dirty="0"/>
-              <a:t>till </a:t>
-            </a:r>
-            <a:r>
-              <a:rPr lang="en-AU" sz="1400"/>
-              <a:t>class starts”]</a:t>
-            </a:r>
-            <a:endParaRPr lang="en-AU" sz="1400" dirty="0"/>
+              <a:t> = [Schedule]</a:t>
+            </a:r>
           </a:p>
           <a:p>
             <a:r>
@@ -4946,24 +6329,16 @@
             </a:r>
             <a:r>
               <a:rPr lang="en-AU" sz="1400" dirty="0"/>
-              <a:t> = [</a:t>
-            </a:r>
-            <a:r>
-              <a:rPr lang="en-AU" sz="1400" dirty="0" err="1"/>
-              <a:t>BusSchedule</a:t>
-            </a:r>
+              <a:t> = [Clock]</a:t>
+            </a:r>
+          </a:p>
+          <a:p>
+            <a:endParaRPr lang="en-AU" sz="1400" dirty="0"/>
+          </a:p>
+          <a:p>
             <a:r>
               <a:rPr lang="en-AU" sz="1400" dirty="0"/>
-              <a:t>]</a:t>
-            </a:r>
-          </a:p>
-          <a:p>
-            <a:endParaRPr lang="en-AU" sz="1400" dirty="0"/>
-          </a:p>
-          <a:p>
-            <a:r>
-              <a:rPr lang="en-AU" sz="1400" dirty="0"/>
-              <a:t>DO WHILE </a:t>
+              <a:t>IF </a:t>
             </a:r>
             <a:r>
               <a:rPr lang="en-AU" sz="1400" dirty="0" err="1"/>
@@ -4971,7 +6346,15 @@
             </a:r>
             <a:r>
               <a:rPr lang="en-AU" sz="1400" dirty="0"/>
-              <a:t> &gt; Morning &amp; &lt; Afternoon</a:t>
+              <a:t> &gt; Morning &amp; </a:t>
+            </a:r>
+            <a:r>
+              <a:rPr lang="en-AU" sz="1400" dirty="0" err="1"/>
+              <a:t>CurrentTime</a:t>
+            </a:r>
+            <a:r>
+              <a:rPr lang="en-AU" sz="1400" dirty="0"/>
+              <a:t> &lt; Afternoon</a:t>
             </a:r>
           </a:p>
           <a:p>
@@ -4981,17 +6364,43 @@
             </a:r>
             <a:r>
               <a:rPr lang="en-AU" sz="1400" dirty="0" err="1"/>
-              <a:t>BusSchedule</a:t>
+              <a:t>HoursTillClassStart</a:t>
             </a:r>
             <a:r>
               <a:rPr lang="en-AU" sz="1400" dirty="0"/>
-              <a:t> &gt;1</a:t>
+              <a:t> &lt; 1.5</a:t>
             </a:r>
           </a:p>
           <a:p>
             <a:r>
               <a:rPr lang="en-AU" sz="1400" dirty="0"/>
-              <a:t>		SEND [Message]</a:t>
+              <a:t>		SEND (“Drive car”)</a:t>
+            </a:r>
+          </a:p>
+          <a:p>
+            <a:r>
+              <a:rPr lang="en-AU" sz="1400" dirty="0"/>
+              <a:t>END</a:t>
+            </a:r>
+          </a:p>
+          <a:p>
+            <a:r>
+              <a:rPr lang="en-AU" sz="1400" dirty="0"/>
+              <a:t>	ELSE IF </a:t>
+            </a:r>
+            <a:r>
+              <a:rPr lang="en-AU" sz="1400" dirty="0" err="1"/>
+              <a:t>HoursTillClassStarts</a:t>
+            </a:r>
+            <a:r>
+              <a:rPr lang="en-AU" sz="1400" dirty="0"/>
+              <a:t> &gt; 1.5 THEN</a:t>
+            </a:r>
+          </a:p>
+          <a:p>
+            <a:r>
+              <a:rPr lang="en-AU" sz="1400" dirty="0"/>
+              <a:t>		SEND (“Go to bus station”)</a:t>
             </a:r>
           </a:p>
           <a:p>
@@ -5000,64 +6409,7 @@
           <a:p>
             <a:r>
               <a:rPr lang="en-AU" sz="1400" dirty="0"/>
-              <a:t>IF </a:t>
-            </a:r>
-            <a:r>
-              <a:rPr lang="en-AU" sz="1400" dirty="0" err="1"/>
-              <a:t>CurrentTime</a:t>
-            </a:r>
-            <a:r>
-              <a:rPr lang="en-AU" sz="1400" dirty="0"/>
-              <a:t> &gt; Morning &amp; </a:t>
-            </a:r>
-            <a:r>
-              <a:rPr lang="en-AU" sz="1400" dirty="0" err="1"/>
-              <a:t>CurrentTime</a:t>
-            </a:r>
-            <a:r>
-              <a:rPr lang="en-AU" sz="1400" dirty="0"/>
-              <a:t> &lt; Afternoon THEN</a:t>
-            </a:r>
-          </a:p>
-          <a:p>
-            <a:r>
-              <a:rPr lang="en-AU" sz="1400" dirty="0"/>
-              <a:t>	IF </a:t>
-            </a:r>
-            <a:r>
-              <a:rPr lang="en-AU" sz="1400" dirty="0" err="1"/>
-              <a:t>BusSchedule</a:t>
-            </a:r>
-            <a:r>
-              <a:rPr lang="en-AU" sz="1400" dirty="0"/>
-              <a:t> &lt; 1 THEN </a:t>
-            </a:r>
-          </a:p>
-          <a:p>
-            <a:r>
-              <a:rPr lang="en-AU" sz="1400" dirty="0"/>
-              <a:t>		DRIVE [Car]</a:t>
-            </a:r>
-          </a:p>
-          <a:p>
-            <a:r>
-              <a:rPr lang="en-AU" sz="1400" dirty="0"/>
-              <a:t>ELSE </a:t>
-            </a:r>
-          </a:p>
-          <a:p>
-            <a:r>
-              <a:rPr lang="en-AU" sz="1400" dirty="0"/>
-              <a:t>	END</a:t>
-            </a:r>
-          </a:p>
-          <a:p>
-            <a:endParaRPr lang="en-AU" sz="1400" dirty="0"/>
-          </a:p>
-          <a:p>
-            <a:r>
-              <a:rPr lang="en-AU" sz="1400" dirty="0"/>
-              <a:t>END PROGRAM</a:t>
+              <a:t>END Program</a:t>
             </a:r>
           </a:p>
         </p:txBody>
@@ -5077,7 +6429,7 @@
         <p:spPr>
           <a:xfrm>
             <a:off x="1578311" y="4117812"/>
-            <a:ext cx="405880" cy="307777"/>
+            <a:ext cx="542136" cy="307777"/>
           </a:xfrm>
           <a:prstGeom prst="rect">
             <a:avLst/>
@@ -5092,7 +6444,7 @@
           <a:p>
             <a:r>
               <a:rPr lang="en-AU" sz="1400" dirty="0"/>
-              <a:t>&lt; 1</a:t>
+              <a:t>&lt; 1.5</a:t>
             </a:r>
           </a:p>
         </p:txBody>
@@ -5112,7 +6464,7 @@
         <p:spPr>
           <a:xfrm>
             <a:off x="3362194" y="4788233"/>
-            <a:ext cx="405880" cy="307777"/>
+            <a:ext cx="542136" cy="307777"/>
           </a:xfrm>
           <a:prstGeom prst="rect">
             <a:avLst/>
@@ -5127,7 +6479,7 @@
           <a:p>
             <a:r>
               <a:rPr lang="en-AU" sz="1400" dirty="0"/>
-              <a:t>&gt; 1</a:t>
+              <a:t>&gt; 1.5</a:t>
             </a:r>
           </a:p>
         </p:txBody>

--- a/students/u3201052/wk3/wk3exercise_flowchart.pptx
+++ b/students/u3201052/wk3/wk3exercise_flowchart.pptx
@@ -262,7 +262,7 @@
           <a:p>
             <a:fld id="{B0E8B34E-6603-4888-8622-269D13050B01}" type="datetimeFigureOut">
               <a:rPr lang="en-AU" smtClean="0"/>
-              <a:t>31/08/2020</a:t>
+              <a:t>6/09/2020</a:t>
             </a:fld>
             <a:endParaRPr lang="en-AU"/>
           </a:p>
@@ -462,7 +462,7 @@
           <a:p>
             <a:fld id="{B0E8B34E-6603-4888-8622-269D13050B01}" type="datetimeFigureOut">
               <a:rPr lang="en-AU" smtClean="0"/>
-              <a:t>31/08/2020</a:t>
+              <a:t>6/09/2020</a:t>
             </a:fld>
             <a:endParaRPr lang="en-AU"/>
           </a:p>
@@ -672,7 +672,7 @@
           <a:p>
             <a:fld id="{B0E8B34E-6603-4888-8622-269D13050B01}" type="datetimeFigureOut">
               <a:rPr lang="en-AU" smtClean="0"/>
-              <a:t>31/08/2020</a:t>
+              <a:t>6/09/2020</a:t>
             </a:fld>
             <a:endParaRPr lang="en-AU"/>
           </a:p>
@@ -872,7 +872,7 @@
           <a:p>
             <a:fld id="{B0E8B34E-6603-4888-8622-269D13050B01}" type="datetimeFigureOut">
               <a:rPr lang="en-AU" smtClean="0"/>
-              <a:t>31/08/2020</a:t>
+              <a:t>6/09/2020</a:t>
             </a:fld>
             <a:endParaRPr lang="en-AU"/>
           </a:p>
@@ -1148,7 +1148,7 @@
           <a:p>
             <a:fld id="{B0E8B34E-6603-4888-8622-269D13050B01}" type="datetimeFigureOut">
               <a:rPr lang="en-AU" smtClean="0"/>
-              <a:t>31/08/2020</a:t>
+              <a:t>6/09/2020</a:t>
             </a:fld>
             <a:endParaRPr lang="en-AU"/>
           </a:p>
@@ -1416,7 +1416,7 @@
           <a:p>
             <a:fld id="{B0E8B34E-6603-4888-8622-269D13050B01}" type="datetimeFigureOut">
               <a:rPr lang="en-AU" smtClean="0"/>
-              <a:t>31/08/2020</a:t>
+              <a:t>6/09/2020</a:t>
             </a:fld>
             <a:endParaRPr lang="en-AU"/>
           </a:p>
@@ -1831,7 +1831,7 @@
           <a:p>
             <a:fld id="{B0E8B34E-6603-4888-8622-269D13050B01}" type="datetimeFigureOut">
               <a:rPr lang="en-AU" smtClean="0"/>
-              <a:t>31/08/2020</a:t>
+              <a:t>6/09/2020</a:t>
             </a:fld>
             <a:endParaRPr lang="en-AU"/>
           </a:p>
@@ -1973,7 +1973,7 @@
           <a:p>
             <a:fld id="{B0E8B34E-6603-4888-8622-269D13050B01}" type="datetimeFigureOut">
               <a:rPr lang="en-AU" smtClean="0"/>
-              <a:t>31/08/2020</a:t>
+              <a:t>6/09/2020</a:t>
             </a:fld>
             <a:endParaRPr lang="en-AU"/>
           </a:p>
@@ -2086,7 +2086,7 @@
           <a:p>
             <a:fld id="{B0E8B34E-6603-4888-8622-269D13050B01}" type="datetimeFigureOut">
               <a:rPr lang="en-AU" smtClean="0"/>
-              <a:t>31/08/2020</a:t>
+              <a:t>6/09/2020</a:t>
             </a:fld>
             <a:endParaRPr lang="en-AU"/>
           </a:p>
@@ -2399,7 +2399,7 @@
           <a:p>
             <a:fld id="{B0E8B34E-6603-4888-8622-269D13050B01}" type="datetimeFigureOut">
               <a:rPr lang="en-AU" smtClean="0"/>
-              <a:t>31/08/2020</a:t>
+              <a:t>6/09/2020</a:t>
             </a:fld>
             <a:endParaRPr lang="en-AU"/>
           </a:p>
@@ -2688,7 +2688,7 @@
           <a:p>
             <a:fld id="{B0E8B34E-6603-4888-8622-269D13050B01}" type="datetimeFigureOut">
               <a:rPr lang="en-AU" smtClean="0"/>
-              <a:t>31/08/2020</a:t>
+              <a:t>6/09/2020</a:t>
             </a:fld>
             <a:endParaRPr lang="en-AU"/>
           </a:p>
@@ -2931,7 +2931,7 @@
           <a:p>
             <a:fld id="{B0E8B34E-6603-4888-8622-269D13050B01}" type="datetimeFigureOut">
               <a:rPr lang="en-AU" smtClean="0"/>
-              <a:t>31/08/2020</a:t>
+              <a:t>6/09/2020</a:t>
             </a:fld>
             <a:endParaRPr lang="en-AU"/>
           </a:p>
@@ -4612,8 +4612,12 @@
           </a:p>
           <a:p>
             <a:r>
+              <a:rPr lang="en-AU" sz="1400" dirty="0" err="1"/>
+              <a:t>ScheduledTime</a:t>
+            </a:r>
+            <a:r>
               <a:rPr lang="en-AU" sz="1400" dirty="0"/>
-              <a:t>Afternoon = “9:15am”</a:t>
+              <a:t> = “9:15am”</a:t>
             </a:r>
           </a:p>
           <a:p>
